--- a/Summer2023/BUS243/lecture_note/lecture3.pptx
+++ b/Summer2023/BUS243/lecture_note/lecture3.pptx
@@ -649,7 +649,7 @@
           <a:p>
             <a:fld id="{3CADBD16-5BFB-4D9F-9646-C75D1B53BBB6}" type="datetimeFigureOut">
               <a:rPr lang="en-US" smtClean="0"/>
-              <a:t>6/4/23</a:t>
+              <a:t>6/8/23</a:t>
             </a:fld>
             <a:endParaRPr lang="en-US"/>
           </a:p>
@@ -827,7 +827,7 @@
             <a:fld id="{3CADBD16-5BFB-4D9F-9646-C75D1B53BBB6}" type="datetimeFigureOut">
               <a:rPr lang="en-US" smtClean="0"/>
               <a:pPr/>
-              <a:t>6/4/23</a:t>
+              <a:t>6/8/23</a:t>
             </a:fld>
             <a:endParaRPr lang="en-US" dirty="0"/>
           </a:p>
@@ -1009,7 +1009,7 @@
             <a:fld id="{3CADBD16-5BFB-4D9F-9646-C75D1B53BBB6}" type="datetimeFigureOut">
               <a:rPr lang="en-US" smtClean="0"/>
               <a:pPr/>
-              <a:t>6/4/23</a:t>
+              <a:t>6/8/23</a:t>
             </a:fld>
             <a:endParaRPr lang="en-US" dirty="0"/>
           </a:p>
@@ -1181,7 +1181,7 @@
             <a:fld id="{3CADBD16-5BFB-4D9F-9646-C75D1B53BBB6}" type="datetimeFigureOut">
               <a:rPr lang="en-US" smtClean="0"/>
               <a:pPr/>
-              <a:t>6/4/23</a:t>
+              <a:t>6/8/23</a:t>
             </a:fld>
             <a:endParaRPr lang="en-US" dirty="0"/>
           </a:p>
@@ -1503,7 +1503,7 @@
           <a:p>
             <a:fld id="{3CADBD16-5BFB-4D9F-9646-C75D1B53BBB6}" type="datetimeFigureOut">
               <a:rPr lang="en-US" smtClean="0"/>
-              <a:t>6/4/23</a:t>
+              <a:t>6/8/23</a:t>
             </a:fld>
             <a:endParaRPr lang="en-US"/>
           </a:p>
@@ -1964,7 +1964,7 @@
             <a:fld id="{3CADBD16-5BFB-4D9F-9646-C75D1B53BBB6}" type="datetimeFigureOut">
               <a:rPr lang="en-US" smtClean="0"/>
               <a:pPr/>
-              <a:t>6/4/23</a:t>
+              <a:t>6/8/23</a:t>
             </a:fld>
             <a:endParaRPr lang="en-US" dirty="0"/>
           </a:p>
@@ -2377,7 +2377,7 @@
             <a:fld id="{3CADBD16-5BFB-4D9F-9646-C75D1B53BBB6}" type="datetimeFigureOut">
               <a:rPr lang="en-US" smtClean="0"/>
               <a:pPr/>
-              <a:t>6/4/23</a:t>
+              <a:t>6/8/23</a:t>
             </a:fld>
             <a:endParaRPr lang="en-US" dirty="0"/>
           </a:p>
@@ -2496,7 +2496,7 @@
           <a:p>
             <a:fld id="{3CADBD16-5BFB-4D9F-9646-C75D1B53BBB6}" type="datetimeFigureOut">
               <a:rPr lang="en-US" smtClean="0"/>
-              <a:t>6/4/23</a:t>
+              <a:t>6/8/23</a:t>
             </a:fld>
             <a:endParaRPr lang="en-US"/>
           </a:p>
@@ -2613,7 +2613,7 @@
           <a:p>
             <a:fld id="{3CADBD16-5BFB-4D9F-9646-C75D1B53BBB6}" type="datetimeFigureOut">
               <a:rPr lang="en-US" smtClean="0"/>
-              <a:t>6/4/23</a:t>
+              <a:t>6/8/23</a:t>
             </a:fld>
             <a:endParaRPr lang="en-US"/>
           </a:p>
@@ -2972,7 +2972,7 @@
             <a:fld id="{3CADBD16-5BFB-4D9F-9646-C75D1B53BBB6}" type="datetimeFigureOut">
               <a:rPr lang="en-US" smtClean="0"/>
               <a:pPr/>
-              <a:t>6/4/23</a:t>
+              <a:t>6/8/23</a:t>
             </a:fld>
             <a:endParaRPr lang="en-US" dirty="0"/>
           </a:p>
@@ -3481,7 +3481,7 @@
             <a:fld id="{3CADBD16-5BFB-4D9F-9646-C75D1B53BBB6}" type="datetimeFigureOut">
               <a:rPr lang="en-US" smtClean="0"/>
               <a:pPr/>
-              <a:t>6/4/23</a:t>
+              <a:t>6/8/23</a:t>
             </a:fld>
             <a:endParaRPr lang="en-US" dirty="0"/>
           </a:p>
@@ -3838,7 +3838,7 @@
             <a:fld id="{3CADBD16-5BFB-4D9F-9646-C75D1B53BBB6}" type="datetimeFigureOut">
               <a:rPr lang="en-US" smtClean="0"/>
               <a:pPr/>
-              <a:t>6/4/23</a:t>
+              <a:t>6/8/23</a:t>
             </a:fld>
             <a:endParaRPr lang="en-US" dirty="0"/>
           </a:p>
@@ -12241,8 +12241,8 @@
           <a:chExt cx="0" cy="0"/>
         </a:xfrm>
       </p:grpSpPr>
-      <mc:AlternateContent xmlns:mc="http://schemas.openxmlformats.org/markup-compatibility/2006">
-        <mc:Choice xmlns:a14="http://schemas.microsoft.com/office/drawing/2010/main" Requires="a14">
+      <mc:AlternateContent xmlns:mc="http://schemas.openxmlformats.org/markup-compatibility/2006" xmlns:a14="http://schemas.microsoft.com/office/drawing/2010/main">
+        <mc:Choice Requires="a14">
           <p:sp>
             <p:nvSpPr>
               <p:cNvPr id="3" name="Content Placeholder 2">
@@ -12304,7 +12304,7 @@
                     <m:f>
                       <m:fPr>
                         <m:ctrlPr>
-                          <a:rPr lang="en-US" sz="2800" b="0" smtClean="0">
+                          <a:rPr lang="en-US" sz="2800" b="0" i="1" smtClean="0">
                             <a:latin typeface="Cambria Math" panose="02040503050406030204" pitchFamily="18" charset="0"/>
                           </a:rPr>
                         </m:ctrlPr>
@@ -12550,7 +12550,7 @@
             </p:txBody>
           </p:sp>
         </mc:Choice>
-        <mc:Fallback>
+        <mc:Fallback xmlns="">
           <p:sp>
             <p:nvSpPr>
               <p:cNvPr id="3" name="Content Placeholder 2">
@@ -12624,8 +12624,8 @@
           <a:chExt cx="0" cy="0"/>
         </a:xfrm>
       </p:grpSpPr>
-      <mc:AlternateContent xmlns:mc="http://schemas.openxmlformats.org/markup-compatibility/2006">
-        <mc:Choice xmlns:a14="http://schemas.microsoft.com/office/drawing/2010/main" Requires="a14">
+      <mc:AlternateContent xmlns:mc="http://schemas.openxmlformats.org/markup-compatibility/2006" xmlns:a14="http://schemas.microsoft.com/office/drawing/2010/main">
+        <mc:Choice Requires="a14">
           <p:sp>
             <p:nvSpPr>
               <p:cNvPr id="3" name="Content Placeholder 2">
@@ -12983,7 +12983,7 @@
             </p:txBody>
           </p:sp>
         </mc:Choice>
-        <mc:Fallback>
+        <mc:Fallback xmlns="">
           <p:sp>
             <p:nvSpPr>
               <p:cNvPr id="3" name="Content Placeholder 2">
@@ -13245,8 +13245,8 @@
           <a:chExt cx="0" cy="0"/>
         </a:xfrm>
       </p:grpSpPr>
-      <mc:AlternateContent xmlns:mc="http://schemas.openxmlformats.org/markup-compatibility/2006">
-        <mc:Choice xmlns:a14="http://schemas.microsoft.com/office/drawing/2010/main" Requires="a14">
+      <mc:AlternateContent xmlns:mc="http://schemas.openxmlformats.org/markup-compatibility/2006" xmlns:a14="http://schemas.microsoft.com/office/drawing/2010/main">
+        <mc:Choice Requires="a14">
           <p:sp>
             <p:nvSpPr>
               <p:cNvPr id="3" name="Content Placeholder 2">
@@ -13614,7 +13614,7 @@
             </p:txBody>
           </p:sp>
         </mc:Choice>
-        <mc:Fallback>
+        <mc:Fallback xmlns="">
           <p:sp>
             <p:nvSpPr>
               <p:cNvPr id="3" name="Content Placeholder 2">
@@ -13841,8 +13841,8 @@
           </a:p>
         </p:txBody>
       </p:sp>
-      <mc:AlternateContent xmlns:mc="http://schemas.openxmlformats.org/markup-compatibility/2006">
-        <mc:Choice xmlns:a14="http://schemas.microsoft.com/office/drawing/2010/main" Requires="a14">
+      <mc:AlternateContent xmlns:mc="http://schemas.openxmlformats.org/markup-compatibility/2006" xmlns:a14="http://schemas.microsoft.com/office/drawing/2010/main">
+        <mc:Choice Requires="a14">
           <p:sp>
             <p:nvSpPr>
               <p:cNvPr id="3" name="Content Placeholder 2">
@@ -14003,13 +14003,7 @@
                       <a:rPr lang="en-US" b="0" i="1" smtClean="0">
                         <a:latin typeface="Cambria Math" panose="02040503050406030204" pitchFamily="18" charset="0"/>
                       </a:rPr>
-                      <m:t>&gt;</m:t>
-                    </m:r>
-                    <m:r>
-                      <a:rPr lang="en-US" b="0" i="1" smtClean="0">
-                        <a:latin typeface="Cambria Math" panose="02040503050406030204" pitchFamily="18" charset="0"/>
-                      </a:rPr>
-                      <m:t>0</m:t>
+                      <m:t>&gt;0</m:t>
                     </m:r>
                   </m:oMath>
                 </a14:m>
@@ -14353,7 +14347,7 @@
             </p:txBody>
           </p:sp>
         </mc:Choice>
-        <mc:Fallback>
+        <mc:Fallback xmlns="">
           <p:sp>
             <p:nvSpPr>
               <p:cNvPr id="3" name="Content Placeholder 2">
@@ -14622,13 +14616,8 @@
             </a:pPr>
             <a:r>
               <a:rPr lang="en-US" sz="2400" dirty="0"/>
-              <a:t>This method only makes the assumption that the sample is representative of the </a:t>
+              <a:t>This method only makes the assumption that the sample is representative of the population</a:t>
             </a:r>
-            <a:r>
-              <a:rPr lang="en-US" sz="2400" dirty="0" err="1"/>
-              <a:t>popularion</a:t>
-            </a:r>
-            <a:endParaRPr lang="en-US" sz="2400" dirty="0"/>
           </a:p>
         </p:txBody>
       </p:sp>
@@ -14818,8 +14807,8 @@
           </a:xfrm>
         </p:spPr>
       </p:pic>
-      <mc:AlternateContent xmlns:mc="http://schemas.openxmlformats.org/markup-compatibility/2006">
-        <mc:Choice xmlns:a14="http://schemas.microsoft.com/office/drawing/2010/main" Requires="a14">
+      <mc:AlternateContent xmlns:mc="http://schemas.openxmlformats.org/markup-compatibility/2006" xmlns:a14="http://schemas.microsoft.com/office/drawing/2010/main">
+        <mc:Choice Requires="a14">
           <p:sp>
             <p:nvSpPr>
               <p:cNvPr id="6" name="Content Placeholder 2">
@@ -15333,7 +15322,7 @@
             </p:txBody>
           </p:sp>
         </mc:Choice>
-        <mc:Fallback>
+        <mc:Fallback xmlns="">
           <p:sp>
             <p:nvSpPr>
               <p:cNvPr id="6" name="Content Placeholder 2">
@@ -15408,8 +15397,8 @@
           <a:chExt cx="0" cy="0"/>
         </a:xfrm>
       </p:grpSpPr>
-      <mc:AlternateContent xmlns:mc="http://schemas.openxmlformats.org/markup-compatibility/2006">
-        <mc:Choice xmlns:a14="http://schemas.microsoft.com/office/drawing/2010/main" Requires="a14">
+      <mc:AlternateContent xmlns:mc="http://schemas.openxmlformats.org/markup-compatibility/2006" xmlns:a14="http://schemas.microsoft.com/office/drawing/2010/main">
+        <mc:Choice Requires="a14">
           <p:sp>
             <p:nvSpPr>
               <p:cNvPr id="3" name="Content Placeholder 2">
@@ -15639,7 +15628,7 @@
             </p:txBody>
           </p:sp>
         </mc:Choice>
-        <mc:Fallback>
+        <mc:Fallback xmlns="">
           <p:sp>
             <p:nvSpPr>
               <p:cNvPr id="3" name="Content Placeholder 2">
@@ -15713,8 +15702,8 @@
           <a:chExt cx="0" cy="0"/>
         </a:xfrm>
       </p:grpSpPr>
-      <mc:AlternateContent xmlns:mc="http://schemas.openxmlformats.org/markup-compatibility/2006">
-        <mc:Choice xmlns:a14="http://schemas.microsoft.com/office/drawing/2010/main" Requires="a14">
+      <mc:AlternateContent xmlns:mc="http://schemas.openxmlformats.org/markup-compatibility/2006" xmlns:a14="http://schemas.microsoft.com/office/drawing/2010/main">
+        <mc:Choice Requires="a14">
           <p:sp>
             <p:nvSpPr>
               <p:cNvPr id="3" name="Content Placeholder 2">
@@ -15946,7 +15935,7 @@
             </p:txBody>
           </p:sp>
         </mc:Choice>
-        <mc:Fallback>
+        <mc:Fallback xmlns="">
           <p:sp>
             <p:nvSpPr>
               <p:cNvPr id="3" name="Content Placeholder 2">

--- a/Summer2023/BUS243/lecture_note/lecture3.pptx
+++ b/Summer2023/BUS243/lecture_note/lecture3.pptx
@@ -6,21 +6,22 @@
   </p:sldMasterIdLst>
   <p:sldIdLst>
     <p:sldId id="256" r:id="rId2"/>
-    <p:sldId id="257" r:id="rId3"/>
-    <p:sldId id="284" r:id="rId4"/>
-    <p:sldId id="285" r:id="rId5"/>
-    <p:sldId id="286" r:id="rId6"/>
-    <p:sldId id="287" r:id="rId7"/>
-    <p:sldId id="288" r:id="rId8"/>
-    <p:sldId id="289" r:id="rId9"/>
-    <p:sldId id="290" r:id="rId10"/>
-    <p:sldId id="274" r:id="rId11"/>
-    <p:sldId id="273" r:id="rId12"/>
-    <p:sldId id="275" r:id="rId13"/>
-    <p:sldId id="276" r:id="rId14"/>
-    <p:sldId id="277" r:id="rId15"/>
-    <p:sldId id="278" r:id="rId16"/>
-    <p:sldId id="280" r:id="rId17"/>
+    <p:sldId id="291" r:id="rId3"/>
+    <p:sldId id="257" r:id="rId4"/>
+    <p:sldId id="284" r:id="rId5"/>
+    <p:sldId id="285" r:id="rId6"/>
+    <p:sldId id="286" r:id="rId7"/>
+    <p:sldId id="287" r:id="rId8"/>
+    <p:sldId id="288" r:id="rId9"/>
+    <p:sldId id="289" r:id="rId10"/>
+    <p:sldId id="290" r:id="rId11"/>
+    <p:sldId id="274" r:id="rId12"/>
+    <p:sldId id="273" r:id="rId13"/>
+    <p:sldId id="275" r:id="rId14"/>
+    <p:sldId id="276" r:id="rId15"/>
+    <p:sldId id="277" r:id="rId16"/>
+    <p:sldId id="278" r:id="rId17"/>
+    <p:sldId id="280" r:id="rId18"/>
   </p:sldIdLst>
   <p:sldSz cx="12192000" cy="6858000"/>
   <p:notesSz cx="6858000" cy="9144000"/>
@@ -628,7 +629,7 @@
           <a:p>
             <a:fld id="{3CADBD16-5BFB-4D9F-9646-C75D1B53BBB6}" type="datetimeFigureOut">
               <a:rPr lang="en-US" smtClean="0"/>
-              <a:t>7/13/23</a:t>
+              <a:t>7/17/23</a:t>
             </a:fld>
             <a:endParaRPr lang="en-US"/>
           </a:p>
@@ -806,7 +807,7 @@
             <a:fld id="{3CADBD16-5BFB-4D9F-9646-C75D1B53BBB6}" type="datetimeFigureOut">
               <a:rPr lang="en-US" smtClean="0"/>
               <a:pPr/>
-              <a:t>7/13/23</a:t>
+              <a:t>7/17/23</a:t>
             </a:fld>
             <a:endParaRPr lang="en-US" dirty="0"/>
           </a:p>
@@ -988,7 +989,7 @@
             <a:fld id="{3CADBD16-5BFB-4D9F-9646-C75D1B53BBB6}" type="datetimeFigureOut">
               <a:rPr lang="en-US" smtClean="0"/>
               <a:pPr/>
-              <a:t>7/13/23</a:t>
+              <a:t>7/17/23</a:t>
             </a:fld>
             <a:endParaRPr lang="en-US" dirty="0"/>
           </a:p>
@@ -1160,7 +1161,7 @@
             <a:fld id="{3CADBD16-5BFB-4D9F-9646-C75D1B53BBB6}" type="datetimeFigureOut">
               <a:rPr lang="en-US" smtClean="0"/>
               <a:pPr/>
-              <a:t>7/13/23</a:t>
+              <a:t>7/17/23</a:t>
             </a:fld>
             <a:endParaRPr lang="en-US" dirty="0"/>
           </a:p>
@@ -1482,7 +1483,7 @@
           <a:p>
             <a:fld id="{3CADBD16-5BFB-4D9F-9646-C75D1B53BBB6}" type="datetimeFigureOut">
               <a:rPr lang="en-US" smtClean="0"/>
-              <a:t>7/13/23</a:t>
+              <a:t>7/17/23</a:t>
             </a:fld>
             <a:endParaRPr lang="en-US"/>
           </a:p>
@@ -1943,7 +1944,7 @@
             <a:fld id="{3CADBD16-5BFB-4D9F-9646-C75D1B53BBB6}" type="datetimeFigureOut">
               <a:rPr lang="en-US" smtClean="0"/>
               <a:pPr/>
-              <a:t>7/13/23</a:t>
+              <a:t>7/17/23</a:t>
             </a:fld>
             <a:endParaRPr lang="en-US" dirty="0"/>
           </a:p>
@@ -2356,7 +2357,7 @@
             <a:fld id="{3CADBD16-5BFB-4D9F-9646-C75D1B53BBB6}" type="datetimeFigureOut">
               <a:rPr lang="en-US" smtClean="0"/>
               <a:pPr/>
-              <a:t>7/13/23</a:t>
+              <a:t>7/17/23</a:t>
             </a:fld>
             <a:endParaRPr lang="en-US" dirty="0"/>
           </a:p>
@@ -2475,7 +2476,7 @@
           <a:p>
             <a:fld id="{3CADBD16-5BFB-4D9F-9646-C75D1B53BBB6}" type="datetimeFigureOut">
               <a:rPr lang="en-US" smtClean="0"/>
-              <a:t>7/13/23</a:t>
+              <a:t>7/17/23</a:t>
             </a:fld>
             <a:endParaRPr lang="en-US"/>
           </a:p>
@@ -2592,7 +2593,7 @@
           <a:p>
             <a:fld id="{3CADBD16-5BFB-4D9F-9646-C75D1B53BBB6}" type="datetimeFigureOut">
               <a:rPr lang="en-US" smtClean="0"/>
-              <a:t>7/13/23</a:t>
+              <a:t>7/17/23</a:t>
             </a:fld>
             <a:endParaRPr lang="en-US"/>
           </a:p>
@@ -2951,7 +2952,7 @@
             <a:fld id="{3CADBD16-5BFB-4D9F-9646-C75D1B53BBB6}" type="datetimeFigureOut">
               <a:rPr lang="en-US" smtClean="0"/>
               <a:pPr/>
-              <a:t>7/13/23</a:t>
+              <a:t>7/17/23</a:t>
             </a:fld>
             <a:endParaRPr lang="en-US" dirty="0"/>
           </a:p>
@@ -3460,7 +3461,7 @@
             <a:fld id="{3CADBD16-5BFB-4D9F-9646-C75D1B53BBB6}" type="datetimeFigureOut">
               <a:rPr lang="en-US" smtClean="0"/>
               <a:pPr/>
-              <a:t>7/13/23</a:t>
+              <a:t>7/17/23</a:t>
             </a:fld>
             <a:endParaRPr lang="en-US" dirty="0"/>
           </a:p>
@@ -3817,7 +3818,7 @@
             <a:fld id="{3CADBD16-5BFB-4D9F-9646-C75D1B53BBB6}" type="datetimeFigureOut">
               <a:rPr lang="en-US" smtClean="0"/>
               <a:pPr/>
-              <a:t>7/13/23</a:t>
+              <a:t>7/17/23</a:t>
             </a:fld>
             <a:endParaRPr lang="en-US" dirty="0"/>
           </a:p>
@@ -5005,7 +5006,7 @@
           <p:cNvPr id="2" name="Title 1">
             <a:extLst>
               <a:ext uri="{FF2B5EF4-FFF2-40B4-BE49-F238E27FC236}">
-                <a16:creationId xmlns:a16="http://schemas.microsoft.com/office/drawing/2014/main" id="{640D16D8-3DE8-FE19-BEE9-F6F4EEF6BD3B}"/>
+                <a16:creationId xmlns:a16="http://schemas.microsoft.com/office/drawing/2014/main" id="{655F313B-2BC5-DEBD-6FD9-9AD2C55EC29C}"/>
               </a:ext>
             </a:extLst>
           </p:cNvPr>
@@ -5024,8 +5025,8 @@
           <a:lstStyle/>
           <a:p>
             <a:r>
-              <a:rPr lang="en-US" dirty="0"/>
-              <a:t>What if only use 1-gram tokens?</a:t>
+              <a:rPr lang="en-US" sz="4800" dirty="0"/>
+              <a:t>Extending your vocabulary with n-grams</a:t>
             </a:r>
           </a:p>
         </p:txBody>
@@ -5035,7 +5036,7 @@
           <p:cNvPr id="3" name="Content Placeholder 2">
             <a:extLst>
               <a:ext uri="{FF2B5EF4-FFF2-40B4-BE49-F238E27FC236}">
-                <a16:creationId xmlns:a16="http://schemas.microsoft.com/office/drawing/2014/main" id="{510F624B-5674-39E8-16A7-4007DA059C50}"/>
+                <a16:creationId xmlns:a16="http://schemas.microsoft.com/office/drawing/2014/main" id="{910A253A-ADCB-6AD9-6DFC-7ADC2E2F7206}"/>
               </a:ext>
             </a:extLst>
           </p:cNvPr>
@@ -5049,114 +5050,114 @@
         <p:spPr/>
         <p:txBody>
           <a:bodyPr>
-            <a:normAutofit/>
+            <a:normAutofit fontScale="85000" lnSpcReduction="20000"/>
           </a:bodyPr>
           <a:lstStyle/>
           <a:p>
-            <a:r>
-              <a:rPr lang="en-US" dirty="0"/>
-              <a:t>What is the problem of rare 2-grams when we add them in the vocab?</a:t>
-            </a:r>
-          </a:p>
-          <a:p>
-            <a:pPr lvl="1"/>
-            <a:r>
-              <a:rPr lang="en-US" dirty="0"/>
-              <a:t>Again, they are so rare. Why is this a problem?</a:t>
-            </a:r>
-          </a:p>
-          <a:p>
-            <a:r>
-              <a:rPr lang="en-US" dirty="0"/>
-              <a:t>If use 1-gram tokens only, the stop words are usually counted the most</a:t>
-            </a:r>
-          </a:p>
-          <a:p>
-            <a:pPr lvl="1"/>
-            <a:r>
-              <a:rPr lang="en-US" dirty="0"/>
-              <a:t>The, a, an, …</a:t>
-            </a:r>
-          </a:p>
-          <a:p>
-            <a:r>
-              <a:rPr lang="en-US" dirty="0"/>
-              <a:t>If they are removed:</a:t>
-            </a:r>
-          </a:p>
-          <a:p>
-            <a:pPr lvl="1"/>
-            <a:r>
-              <a:rPr lang="en-US" dirty="0"/>
-              <a:t>Mark </a:t>
-            </a:r>
-            <a:r>
-              <a:rPr lang="en-US" b="1" dirty="0"/>
-              <a:t>reported</a:t>
-            </a:r>
-            <a:r>
-              <a:rPr lang="en-US" dirty="0"/>
-              <a:t> to the </a:t>
-            </a:r>
-            <a:r>
-              <a:rPr lang="en-US" b="1" dirty="0"/>
-              <a:t>CEO</a:t>
-            </a:r>
-          </a:p>
-          <a:p>
-            <a:pPr lvl="1"/>
-            <a:r>
-              <a:rPr lang="en-US" dirty="0"/>
-              <a:t>Suzanne </a:t>
-            </a:r>
-            <a:r>
-              <a:rPr lang="en-US" b="1" dirty="0"/>
-              <a:t>reported</a:t>
-            </a:r>
-            <a:r>
-              <a:rPr lang="en-US" dirty="0"/>
-              <a:t> as the </a:t>
-            </a:r>
-            <a:r>
-              <a:rPr lang="en-US" b="1" dirty="0"/>
-              <a:t>CEO</a:t>
-            </a:r>
-            <a:r>
-              <a:rPr lang="en-US" dirty="0"/>
-              <a:t> to the board</a:t>
-            </a:r>
-          </a:p>
-          <a:p>
-            <a:pPr lvl="2"/>
-            <a:r>
-              <a:rPr lang="en-US" dirty="0"/>
-              <a:t>Lack of information about the professional hierarchy</a:t>
-            </a:r>
-          </a:p>
-          <a:p>
-            <a:r>
-              <a:rPr lang="en-US" dirty="0"/>
-              <a:t>If not, the length of vocabulary would be the problem</a:t>
-            </a:r>
-          </a:p>
-          <a:p>
-            <a:r>
-              <a:rPr lang="en-US" dirty="0"/>
-              <a:t>Let’s dig this issue a little bit deeper</a:t>
-            </a:r>
-          </a:p>
-          <a:p>
-            <a:pPr marL="914400" lvl="2" indent="0">
-              <a:buNone/>
+            <a:pPr>
+              <a:lnSpc>
+                <a:spcPct val="160000"/>
+              </a:lnSpc>
             </a:pPr>
-            <a:endParaRPr lang="en-US" dirty="0"/>
+            <a:r>
+              <a:rPr lang="en-US" dirty="0"/>
+              <a:t>Now we consider a sequence of words</a:t>
+            </a:r>
+          </a:p>
+          <a:p>
+            <a:pPr lvl="1">
+              <a:lnSpc>
+                <a:spcPct val="160000"/>
+              </a:lnSpc>
+            </a:pPr>
+            <a:r>
+              <a:rPr lang="en-US" dirty="0"/>
+              <a:t>Ice cream</a:t>
+            </a:r>
+          </a:p>
+          <a:p>
+            <a:pPr lvl="1">
+              <a:lnSpc>
+                <a:spcPct val="160000"/>
+              </a:lnSpc>
+            </a:pPr>
+            <a:r>
+              <a:rPr lang="en-US" dirty="0"/>
+              <a:t>Boston Red Sox</a:t>
+            </a:r>
+          </a:p>
+          <a:p>
+            <a:pPr>
+              <a:lnSpc>
+                <a:spcPct val="160000"/>
+              </a:lnSpc>
+            </a:pPr>
+            <a:r>
+              <a:rPr lang="en-US" dirty="0"/>
+              <a:t>N-gram is simply a sequence of n words</a:t>
+            </a:r>
+          </a:p>
+          <a:p>
+            <a:pPr lvl="1">
+              <a:lnSpc>
+                <a:spcPct val="160000"/>
+              </a:lnSpc>
+            </a:pPr>
+            <a:r>
+              <a:rPr lang="en-US" dirty="0"/>
+              <a:t>N-gram could denote characters, but focus on words now</a:t>
+            </a:r>
+          </a:p>
+          <a:p>
+            <a:pPr>
+              <a:lnSpc>
+                <a:spcPct val="160000"/>
+              </a:lnSpc>
+            </a:pPr>
+            <a:r>
+              <a:rPr lang="en-US" dirty="0"/>
+              <a:t>We have tokenized sentences using 1-gram only thus far</a:t>
+            </a:r>
+          </a:p>
+          <a:p>
+            <a:pPr>
+              <a:lnSpc>
+                <a:spcPct val="160000"/>
+              </a:lnSpc>
+            </a:pPr>
+            <a:r>
+              <a:rPr lang="en-US" dirty="0"/>
+              <a:t>Using 2-gram or 3-gram words means adding more tokens in the vocabulary</a:t>
+            </a:r>
+          </a:p>
+          <a:p>
+            <a:pPr lvl="1">
+              <a:lnSpc>
+                <a:spcPct val="160000"/>
+              </a:lnSpc>
+            </a:pPr>
+            <a:r>
+              <a:rPr lang="en-US" dirty="0"/>
+              <a:t>Not difficult to add (see the codes)</a:t>
+            </a:r>
+          </a:p>
+          <a:p>
+            <a:pPr lvl="1">
+              <a:lnSpc>
+                <a:spcPct val="160000"/>
+              </a:lnSpc>
+            </a:pPr>
+            <a:r>
+              <a:rPr lang="en-US" dirty="0"/>
+              <a:t>N-gram tokens are pretty rare → need some ways to handle them properly</a:t>
+            </a:r>
           </a:p>
         </p:txBody>
       </p:sp>
     </p:spTree>
     <p:extLst>
       <p:ext uri="{BB962C8B-B14F-4D97-AF65-F5344CB8AC3E}">
-        <p14:creationId xmlns:p14="http://schemas.microsoft.com/office/powerpoint/2010/main" val="1613144777"/>
+        <p14:creationId xmlns:p14="http://schemas.microsoft.com/office/powerpoint/2010/main" val="4181030411"/>
       </p:ext>
     </p:extLst>
   </p:cSld>
@@ -5188,6 +5189,189 @@
           <p:cNvPr id="2" name="Title 1">
             <a:extLst>
               <a:ext uri="{FF2B5EF4-FFF2-40B4-BE49-F238E27FC236}">
+                <a16:creationId xmlns:a16="http://schemas.microsoft.com/office/drawing/2014/main" id="{640D16D8-3DE8-FE19-BEE9-F6F4EEF6BD3B}"/>
+              </a:ext>
+            </a:extLst>
+          </p:cNvPr>
+          <p:cNvSpPr>
+            <a:spLocks noGrp="1"/>
+          </p:cNvSpPr>
+          <p:nvPr>
+            <p:ph type="title"/>
+          </p:nvPr>
+        </p:nvSpPr>
+        <p:spPr/>
+        <p:txBody>
+          <a:bodyPr>
+            <a:normAutofit/>
+          </a:bodyPr>
+          <a:lstStyle/>
+          <a:p>
+            <a:r>
+              <a:rPr lang="en-US" dirty="0"/>
+              <a:t>What if only use 1-gram tokens?</a:t>
+            </a:r>
+          </a:p>
+        </p:txBody>
+      </p:sp>
+      <p:sp>
+        <p:nvSpPr>
+          <p:cNvPr id="3" name="Content Placeholder 2">
+            <a:extLst>
+              <a:ext uri="{FF2B5EF4-FFF2-40B4-BE49-F238E27FC236}">
+                <a16:creationId xmlns:a16="http://schemas.microsoft.com/office/drawing/2014/main" id="{510F624B-5674-39E8-16A7-4007DA059C50}"/>
+              </a:ext>
+            </a:extLst>
+          </p:cNvPr>
+          <p:cNvSpPr>
+            <a:spLocks noGrp="1"/>
+          </p:cNvSpPr>
+          <p:nvPr>
+            <p:ph idx="1"/>
+          </p:nvPr>
+        </p:nvSpPr>
+        <p:spPr/>
+        <p:txBody>
+          <a:bodyPr>
+            <a:normAutofit/>
+          </a:bodyPr>
+          <a:lstStyle/>
+          <a:p>
+            <a:r>
+              <a:rPr lang="en-US" dirty="0"/>
+              <a:t>What is the problem of rare 2-grams when we add them in the vocab?</a:t>
+            </a:r>
+          </a:p>
+          <a:p>
+            <a:pPr lvl="1"/>
+            <a:r>
+              <a:rPr lang="en-US" dirty="0"/>
+              <a:t>Again, they are so rare. Why is this a problem?</a:t>
+            </a:r>
+          </a:p>
+          <a:p>
+            <a:r>
+              <a:rPr lang="en-US" dirty="0"/>
+              <a:t>If use 1-gram tokens only, the stop words are usually counted the most</a:t>
+            </a:r>
+          </a:p>
+          <a:p>
+            <a:pPr lvl="1"/>
+            <a:r>
+              <a:rPr lang="en-US" dirty="0"/>
+              <a:t>The, a, an, …</a:t>
+            </a:r>
+          </a:p>
+          <a:p>
+            <a:r>
+              <a:rPr lang="en-US" dirty="0"/>
+              <a:t>If they are removed:</a:t>
+            </a:r>
+          </a:p>
+          <a:p>
+            <a:pPr lvl="1"/>
+            <a:r>
+              <a:rPr lang="en-US" dirty="0"/>
+              <a:t>Mark </a:t>
+            </a:r>
+            <a:r>
+              <a:rPr lang="en-US" b="1" dirty="0"/>
+              <a:t>reported</a:t>
+            </a:r>
+            <a:r>
+              <a:rPr lang="en-US" dirty="0"/>
+              <a:t> to the </a:t>
+            </a:r>
+            <a:r>
+              <a:rPr lang="en-US" b="1" dirty="0"/>
+              <a:t>CEO</a:t>
+            </a:r>
+          </a:p>
+          <a:p>
+            <a:pPr lvl="1"/>
+            <a:r>
+              <a:rPr lang="en-US" dirty="0"/>
+              <a:t>Suzanne </a:t>
+            </a:r>
+            <a:r>
+              <a:rPr lang="en-US" b="1" dirty="0"/>
+              <a:t>reported</a:t>
+            </a:r>
+            <a:r>
+              <a:rPr lang="en-US" dirty="0"/>
+              <a:t> as the </a:t>
+            </a:r>
+            <a:r>
+              <a:rPr lang="en-US" b="1" dirty="0"/>
+              <a:t>CEO</a:t>
+            </a:r>
+            <a:r>
+              <a:rPr lang="en-US" dirty="0"/>
+              <a:t> to the board</a:t>
+            </a:r>
+          </a:p>
+          <a:p>
+            <a:pPr lvl="2"/>
+            <a:r>
+              <a:rPr lang="en-US" dirty="0"/>
+              <a:t>Lack of information about the professional hierarchy</a:t>
+            </a:r>
+          </a:p>
+          <a:p>
+            <a:r>
+              <a:rPr lang="en-US" dirty="0"/>
+              <a:t>If not, the length of vocabulary would be the problem</a:t>
+            </a:r>
+          </a:p>
+          <a:p>
+            <a:r>
+              <a:rPr lang="en-US" dirty="0"/>
+              <a:t>Let’s dig this issue a little bit deeper</a:t>
+            </a:r>
+          </a:p>
+          <a:p>
+            <a:pPr marL="914400" lvl="2" indent="0">
+              <a:buNone/>
+            </a:pPr>
+            <a:endParaRPr lang="en-US" dirty="0"/>
+          </a:p>
+        </p:txBody>
+      </p:sp>
+    </p:spTree>
+    <p:extLst>
+      <p:ext uri="{BB962C8B-B14F-4D97-AF65-F5344CB8AC3E}">
+        <p14:creationId xmlns:p14="http://schemas.microsoft.com/office/powerpoint/2010/main" val="1613144777"/>
+      </p:ext>
+    </p:extLst>
+  </p:cSld>
+  <p:clrMapOvr>
+    <a:masterClrMapping/>
+  </p:clrMapOvr>
+</p:sld>
+</file>
+
+<file path=ppt/slides/slide12.xml><?xml version="1.0" encoding="utf-8"?>
+<p:sld xmlns:a="http://schemas.openxmlformats.org/drawingml/2006/main" xmlns:r="http://schemas.openxmlformats.org/officeDocument/2006/relationships" xmlns:p="http://schemas.openxmlformats.org/presentationml/2006/main">
+  <p:cSld>
+    <p:spTree>
+      <p:nvGrpSpPr>
+        <p:cNvPr id="1" name=""/>
+        <p:cNvGrpSpPr/>
+        <p:nvPr/>
+      </p:nvGrpSpPr>
+      <p:grpSpPr>
+        <a:xfrm>
+          <a:off x="0" y="0"/>
+          <a:ext cx="0" cy="0"/>
+          <a:chOff x="0" y="0"/>
+          <a:chExt cx="0" cy="0"/>
+        </a:xfrm>
+      </p:grpSpPr>
+      <p:sp>
+        <p:nvSpPr>
+          <p:cNvPr id="2" name="Title 1">
+            <a:extLst>
+              <a:ext uri="{FF2B5EF4-FFF2-40B4-BE49-F238E27FC236}">
                 <a16:creationId xmlns:a16="http://schemas.microsoft.com/office/drawing/2014/main" id="{51B83D4F-0786-F9A1-AB46-C5DCE8B513AD}"/>
               </a:ext>
             </a:extLst>
@@ -5402,7 +5586,7 @@
 </p:sld>
 </file>
 
-<file path=ppt/slides/slide12.xml><?xml version="1.0" encoding="utf-8"?>
+<file path=ppt/slides/slide13.xml><?xml version="1.0" encoding="utf-8"?>
 <p:sld xmlns:a="http://schemas.openxmlformats.org/drawingml/2006/main" xmlns:r="http://schemas.openxmlformats.org/officeDocument/2006/relationships" xmlns:p="http://schemas.openxmlformats.org/presentationml/2006/main">
   <p:cSld>
     <p:spTree>
@@ -6122,206 +6306,6 @@
 </p:sld>
 </file>
 
-<file path=ppt/slides/slide13.xml><?xml version="1.0" encoding="utf-8"?>
-<p:sld xmlns:a="http://schemas.openxmlformats.org/drawingml/2006/main" xmlns:r="http://schemas.openxmlformats.org/officeDocument/2006/relationships" xmlns:p="http://schemas.openxmlformats.org/presentationml/2006/main">
-  <p:cSld>
-    <p:spTree>
-      <p:nvGrpSpPr>
-        <p:cNvPr id="1" name=""/>
-        <p:cNvGrpSpPr/>
-        <p:nvPr/>
-      </p:nvGrpSpPr>
-      <p:grpSpPr>
-        <a:xfrm>
-          <a:off x="0" y="0"/>
-          <a:ext cx="0" cy="0"/>
-          <a:chOff x="0" y="0"/>
-          <a:chExt cx="0" cy="0"/>
-        </a:xfrm>
-      </p:grpSpPr>
-      <p:sp>
-        <p:nvSpPr>
-          <p:cNvPr id="2" name="Title 1">
-            <a:extLst>
-              <a:ext uri="{FF2B5EF4-FFF2-40B4-BE49-F238E27FC236}">
-                <a16:creationId xmlns:a16="http://schemas.microsoft.com/office/drawing/2014/main" id="{F0864926-2350-7E44-7905-3BE7FA93DECD}"/>
-              </a:ext>
-            </a:extLst>
-          </p:cNvPr>
-          <p:cNvSpPr>
-            <a:spLocks noGrp="1"/>
-          </p:cNvSpPr>
-          <p:nvPr>
-            <p:ph type="title"/>
-          </p:nvPr>
-        </p:nvSpPr>
-        <p:spPr/>
-        <p:txBody>
-          <a:bodyPr>
-            <a:normAutofit/>
-          </a:bodyPr>
-          <a:lstStyle/>
-          <a:p>
-            <a:r>
-              <a:rPr lang="en-US" dirty="0"/>
-              <a:t>Inflections matter?</a:t>
-            </a:r>
-          </a:p>
-        </p:txBody>
-      </p:sp>
-      <p:sp>
-        <p:nvSpPr>
-          <p:cNvPr id="3" name="Content Placeholder 2">
-            <a:extLst>
-              <a:ext uri="{FF2B5EF4-FFF2-40B4-BE49-F238E27FC236}">
-                <a16:creationId xmlns:a16="http://schemas.microsoft.com/office/drawing/2014/main" id="{ACEE40A6-FDD2-40DB-DEC0-2BD98DE0E408}"/>
-              </a:ext>
-            </a:extLst>
-          </p:cNvPr>
-          <p:cNvSpPr>
-            <a:spLocks noGrp="1"/>
-          </p:cNvSpPr>
-          <p:nvPr>
-            <p:ph idx="1"/>
-          </p:nvPr>
-        </p:nvSpPr>
-        <p:spPr/>
-        <p:txBody>
-          <a:bodyPr>
-            <a:normAutofit lnSpcReduction="10000"/>
-          </a:bodyPr>
-          <a:lstStyle/>
-          <a:p>
-            <a:pPr>
-              <a:lnSpc>
-                <a:spcPct val="150000"/>
-              </a:lnSpc>
-            </a:pPr>
-            <a:r>
-              <a:rPr lang="en-US" b="1" dirty="0" err="1"/>
-              <a:t>Lemmatizers</a:t>
-            </a:r>
-            <a:r>
-              <a:rPr lang="en-US" dirty="0"/>
-              <a:t> are systems that identify the underlying lemma of a given wordform</a:t>
-            </a:r>
-          </a:p>
-          <a:p>
-            <a:pPr lvl="1">
-              <a:lnSpc>
-                <a:spcPct val="150000"/>
-              </a:lnSpc>
-            </a:pPr>
-            <a:r>
-              <a:rPr lang="en-US" dirty="0"/>
-              <a:t>Geese → Goose</a:t>
-            </a:r>
-          </a:p>
-          <a:p>
-            <a:pPr>
-              <a:lnSpc>
-                <a:spcPct val="150000"/>
-              </a:lnSpc>
-            </a:pPr>
-            <a:r>
-              <a:rPr lang="en-US" dirty="0"/>
-              <a:t>Generalization would matter</a:t>
-            </a:r>
-          </a:p>
-          <a:p>
-            <a:pPr lvl="1">
-              <a:lnSpc>
-                <a:spcPct val="150000"/>
-              </a:lnSpc>
-            </a:pPr>
-            <a:r>
-              <a:rPr lang="en-US" dirty="0"/>
-              <a:t>Even inaccurate stemming can improve bag-of-words classification</a:t>
-            </a:r>
-          </a:p>
-          <a:p>
-            <a:pPr lvl="2">
-              <a:lnSpc>
-                <a:spcPct val="150000"/>
-              </a:lnSpc>
-            </a:pPr>
-            <a:r>
-              <a:rPr lang="en-US" dirty="0"/>
-              <a:t>merging related strings and thereby reducing the vocabulary size </a:t>
-            </a:r>
-          </a:p>
-          <a:p>
-            <a:pPr lvl="1">
-              <a:lnSpc>
-                <a:spcPct val="150000"/>
-              </a:lnSpc>
-            </a:pPr>
-            <a:r>
-              <a:rPr lang="en-US" dirty="0"/>
-              <a:t>However, need to avoid the over-generalization errors</a:t>
-            </a:r>
-          </a:p>
-          <a:p>
-            <a:pPr>
-              <a:lnSpc>
-                <a:spcPct val="150000"/>
-              </a:lnSpc>
-            </a:pPr>
-            <a:r>
-              <a:rPr lang="en-US" dirty="0"/>
-              <a:t>Both stemming and lemmatization are language-specific</a:t>
-            </a:r>
-          </a:p>
-          <a:p>
-            <a:pPr lvl="1">
-              <a:lnSpc>
-                <a:spcPct val="150000"/>
-              </a:lnSpc>
-            </a:pPr>
-            <a:r>
-              <a:rPr lang="en-US" dirty="0"/>
-              <a:t>English stemmer or </a:t>
-            </a:r>
-            <a:r>
-              <a:rPr lang="en-US" dirty="0" err="1"/>
-              <a:t>lemmatizer</a:t>
-            </a:r>
-            <a:r>
-              <a:rPr lang="en-US" dirty="0"/>
-              <a:t> is of little use on a text in another language </a:t>
-            </a:r>
-          </a:p>
-          <a:p>
-            <a:pPr lvl="1">
-              <a:lnSpc>
-                <a:spcPct val="150000"/>
-              </a:lnSpc>
-            </a:pPr>
-            <a:endParaRPr lang="en-US" dirty="0"/>
-          </a:p>
-          <a:p>
-            <a:pPr>
-              <a:lnSpc>
-                <a:spcPct val="150000"/>
-              </a:lnSpc>
-            </a:pPr>
-            <a:endParaRPr lang="en-US" dirty="0"/>
-          </a:p>
-        </p:txBody>
-      </p:sp>
-    </p:spTree>
-    <p:extLst>
-      <p:ext uri="{BB962C8B-B14F-4D97-AF65-F5344CB8AC3E}">
-        <p14:creationId xmlns:p14="http://schemas.microsoft.com/office/powerpoint/2010/main" val="308518455"/>
-      </p:ext>
-    </p:extLst>
-  </p:cSld>
-  <p:clrMapOvr>
-    <a:masterClrMapping/>
-  </p:clrMapOvr>
-</p:sld>
-</file>
-
 <file path=ppt/slides/slide14.xml><?xml version="1.0" encoding="utf-8"?>
 <p:sld xmlns:a="http://schemas.openxmlformats.org/drawingml/2006/main" xmlns:r="http://schemas.openxmlformats.org/officeDocument/2006/relationships" xmlns:p="http://schemas.openxmlformats.org/presentationml/2006/main">
   <p:cSld>
@@ -6344,6 +6328,206 @@
           <p:cNvPr id="2" name="Title 1">
             <a:extLst>
               <a:ext uri="{FF2B5EF4-FFF2-40B4-BE49-F238E27FC236}">
+                <a16:creationId xmlns:a16="http://schemas.microsoft.com/office/drawing/2014/main" id="{F0864926-2350-7E44-7905-3BE7FA93DECD}"/>
+              </a:ext>
+            </a:extLst>
+          </p:cNvPr>
+          <p:cNvSpPr>
+            <a:spLocks noGrp="1"/>
+          </p:cNvSpPr>
+          <p:nvPr>
+            <p:ph type="title"/>
+          </p:nvPr>
+        </p:nvSpPr>
+        <p:spPr/>
+        <p:txBody>
+          <a:bodyPr>
+            <a:normAutofit/>
+          </a:bodyPr>
+          <a:lstStyle/>
+          <a:p>
+            <a:r>
+              <a:rPr lang="en-US" dirty="0"/>
+              <a:t>Inflections matter?</a:t>
+            </a:r>
+          </a:p>
+        </p:txBody>
+      </p:sp>
+      <p:sp>
+        <p:nvSpPr>
+          <p:cNvPr id="3" name="Content Placeholder 2">
+            <a:extLst>
+              <a:ext uri="{FF2B5EF4-FFF2-40B4-BE49-F238E27FC236}">
+                <a16:creationId xmlns:a16="http://schemas.microsoft.com/office/drawing/2014/main" id="{ACEE40A6-FDD2-40DB-DEC0-2BD98DE0E408}"/>
+              </a:ext>
+            </a:extLst>
+          </p:cNvPr>
+          <p:cNvSpPr>
+            <a:spLocks noGrp="1"/>
+          </p:cNvSpPr>
+          <p:nvPr>
+            <p:ph idx="1"/>
+          </p:nvPr>
+        </p:nvSpPr>
+        <p:spPr/>
+        <p:txBody>
+          <a:bodyPr>
+            <a:normAutofit lnSpcReduction="10000"/>
+          </a:bodyPr>
+          <a:lstStyle/>
+          <a:p>
+            <a:pPr>
+              <a:lnSpc>
+                <a:spcPct val="150000"/>
+              </a:lnSpc>
+            </a:pPr>
+            <a:r>
+              <a:rPr lang="en-US" b="1" dirty="0" err="1"/>
+              <a:t>Lemmatizers</a:t>
+            </a:r>
+            <a:r>
+              <a:rPr lang="en-US" dirty="0"/>
+              <a:t> are systems that identify the underlying lemma of a given wordform</a:t>
+            </a:r>
+          </a:p>
+          <a:p>
+            <a:pPr lvl="1">
+              <a:lnSpc>
+                <a:spcPct val="150000"/>
+              </a:lnSpc>
+            </a:pPr>
+            <a:r>
+              <a:rPr lang="en-US" dirty="0"/>
+              <a:t>Geese → Goose</a:t>
+            </a:r>
+          </a:p>
+          <a:p>
+            <a:pPr>
+              <a:lnSpc>
+                <a:spcPct val="150000"/>
+              </a:lnSpc>
+            </a:pPr>
+            <a:r>
+              <a:rPr lang="en-US" dirty="0"/>
+              <a:t>Generalization would matter</a:t>
+            </a:r>
+          </a:p>
+          <a:p>
+            <a:pPr lvl="1">
+              <a:lnSpc>
+                <a:spcPct val="150000"/>
+              </a:lnSpc>
+            </a:pPr>
+            <a:r>
+              <a:rPr lang="en-US" dirty="0"/>
+              <a:t>Even inaccurate stemming can improve bag-of-words classification</a:t>
+            </a:r>
+          </a:p>
+          <a:p>
+            <a:pPr lvl="2">
+              <a:lnSpc>
+                <a:spcPct val="150000"/>
+              </a:lnSpc>
+            </a:pPr>
+            <a:r>
+              <a:rPr lang="en-US" dirty="0"/>
+              <a:t>merging related strings and thereby reducing the vocabulary size </a:t>
+            </a:r>
+          </a:p>
+          <a:p>
+            <a:pPr lvl="1">
+              <a:lnSpc>
+                <a:spcPct val="150000"/>
+              </a:lnSpc>
+            </a:pPr>
+            <a:r>
+              <a:rPr lang="en-US" dirty="0"/>
+              <a:t>However, need to avoid the over-generalization errors</a:t>
+            </a:r>
+          </a:p>
+          <a:p>
+            <a:pPr>
+              <a:lnSpc>
+                <a:spcPct val="150000"/>
+              </a:lnSpc>
+            </a:pPr>
+            <a:r>
+              <a:rPr lang="en-US" dirty="0"/>
+              <a:t>Both stemming and lemmatization are language-specific</a:t>
+            </a:r>
+          </a:p>
+          <a:p>
+            <a:pPr lvl="1">
+              <a:lnSpc>
+                <a:spcPct val="150000"/>
+              </a:lnSpc>
+            </a:pPr>
+            <a:r>
+              <a:rPr lang="en-US" dirty="0"/>
+              <a:t>English stemmer or </a:t>
+            </a:r>
+            <a:r>
+              <a:rPr lang="en-US" dirty="0" err="1"/>
+              <a:t>lemmatizer</a:t>
+            </a:r>
+            <a:r>
+              <a:rPr lang="en-US" dirty="0"/>
+              <a:t> is of little use on a text in another language </a:t>
+            </a:r>
+          </a:p>
+          <a:p>
+            <a:pPr lvl="1">
+              <a:lnSpc>
+                <a:spcPct val="150000"/>
+              </a:lnSpc>
+            </a:pPr>
+            <a:endParaRPr lang="en-US" dirty="0"/>
+          </a:p>
+          <a:p>
+            <a:pPr>
+              <a:lnSpc>
+                <a:spcPct val="150000"/>
+              </a:lnSpc>
+            </a:pPr>
+            <a:endParaRPr lang="en-US" dirty="0"/>
+          </a:p>
+        </p:txBody>
+      </p:sp>
+    </p:spTree>
+    <p:extLst>
+      <p:ext uri="{BB962C8B-B14F-4D97-AF65-F5344CB8AC3E}">
+        <p14:creationId xmlns:p14="http://schemas.microsoft.com/office/powerpoint/2010/main" val="308518455"/>
+      </p:ext>
+    </p:extLst>
+  </p:cSld>
+  <p:clrMapOvr>
+    <a:masterClrMapping/>
+  </p:clrMapOvr>
+</p:sld>
+</file>
+
+<file path=ppt/slides/slide15.xml><?xml version="1.0" encoding="utf-8"?>
+<p:sld xmlns:a="http://schemas.openxmlformats.org/drawingml/2006/main" xmlns:r="http://schemas.openxmlformats.org/officeDocument/2006/relationships" xmlns:p="http://schemas.openxmlformats.org/presentationml/2006/main">
+  <p:cSld>
+    <p:spTree>
+      <p:nvGrpSpPr>
+        <p:cNvPr id="1" name=""/>
+        <p:cNvGrpSpPr/>
+        <p:nvPr/>
+      </p:nvGrpSpPr>
+      <p:grpSpPr>
+        <a:xfrm>
+          <a:off x="0" y="0"/>
+          <a:ext cx="0" cy="0"/>
+          <a:chOff x="0" y="0"/>
+          <a:chExt cx="0" cy="0"/>
+        </a:xfrm>
+      </p:grpSpPr>
+      <p:sp>
+        <p:nvSpPr>
+          <p:cNvPr id="2" name="Title 1">
+            <a:extLst>
+              <a:ext uri="{FF2B5EF4-FFF2-40B4-BE49-F238E27FC236}">
                 <a16:creationId xmlns:a16="http://schemas.microsoft.com/office/drawing/2014/main" id="{431583CE-2244-3427-CE2D-3043FC51BF69}"/>
               </a:ext>
             </a:extLst>
@@ -6455,7 +6639,7 @@
 </p:sld>
 </file>
 
-<file path=ppt/slides/slide15.xml><?xml version="1.0" encoding="utf-8"?>
+<file path=ppt/slides/slide16.xml><?xml version="1.0" encoding="utf-8"?>
 <p:sld xmlns:a="http://schemas.openxmlformats.org/drawingml/2006/main" xmlns:r="http://schemas.openxmlformats.org/officeDocument/2006/relationships" xmlns:p="http://schemas.openxmlformats.org/presentationml/2006/main">
   <p:cSld>
     <p:spTree>
@@ -6590,7 +6774,7 @@
 </p:sld>
 </file>
 
-<file path=ppt/slides/slide16.xml><?xml version="1.0" encoding="utf-8"?>
+<file path=ppt/slides/slide17.xml><?xml version="1.0" encoding="utf-8"?>
 <p:sld xmlns:a="http://schemas.openxmlformats.org/drawingml/2006/main" xmlns:r="http://schemas.openxmlformats.org/officeDocument/2006/relationships" xmlns:p="http://schemas.openxmlformats.org/presentationml/2006/main">
   <p:cSld>
     <p:spTree>
@@ -6779,7 +6963,7 @@
           <p:cNvPr id="2" name="Title 1">
             <a:extLst>
               <a:ext uri="{FF2B5EF4-FFF2-40B4-BE49-F238E27FC236}">
-                <a16:creationId xmlns:a16="http://schemas.microsoft.com/office/drawing/2014/main" id="{0E62C21A-EE0E-8BD8-BC36-3ADE9CC44837}"/>
+                <a16:creationId xmlns:a16="http://schemas.microsoft.com/office/drawing/2014/main" id="{95364476-2F2B-E7F3-4EB0-9EB55B1B1D38}"/>
               </a:ext>
             </a:extLst>
           </p:cNvPr>
@@ -6797,7 +6981,7 @@
           <a:p>
             <a:r>
               <a:rPr lang="en-US" dirty="0"/>
-              <a:t>Process</a:t>
+              <a:t>How about homework?</a:t>
             </a:r>
           </a:p>
         </p:txBody>
@@ -6807,7 +6991,7 @@
           <p:cNvPr id="3" name="Content Placeholder 2">
             <a:extLst>
               <a:ext uri="{FF2B5EF4-FFF2-40B4-BE49-F238E27FC236}">
-                <a16:creationId xmlns:a16="http://schemas.microsoft.com/office/drawing/2014/main" id="{F5F9A82A-0A78-9D9D-563A-E2A024368E8A}"/>
+                <a16:creationId xmlns:a16="http://schemas.microsoft.com/office/drawing/2014/main" id="{E173D364-873E-0421-F744-4B37B717AAC9}"/>
               </a:ext>
             </a:extLst>
           </p:cNvPr>
@@ -6831,8 +7015,8 @@
               </a:lnSpc>
             </a:pPr>
             <a:r>
-              <a:rPr lang="en-US" sz="2400" dirty="0"/>
-              <a:t>Tokenization is a particular kind of document segmentation</a:t>
+              <a:rPr lang="en-US" dirty="0"/>
+              <a:t>Everyone got the right answer, but is it deliverable?</a:t>
             </a:r>
           </a:p>
           <a:p>
@@ -6842,8 +7026,8 @@
               </a:lnSpc>
             </a:pPr>
             <a:r>
-              <a:rPr lang="en-US" sz="2000" dirty="0"/>
-              <a:t>Break up text into smaller chunks</a:t>
+              <a:rPr lang="en-US" dirty="0"/>
+              <a:t>Does your algorithm produce the output according to the given query?</a:t>
             </a:r>
           </a:p>
           <a:p>
@@ -6853,8 +7037,8 @@
               </a:lnSpc>
             </a:pPr>
             <a:r>
-              <a:rPr lang="en-US" sz="2000" dirty="0"/>
-              <a:t>Document → paragraphs → sentences → phrases → tokens</a:t>
+              <a:rPr lang="en-US" dirty="0"/>
+              <a:t>Does your algorithm meet the information need?</a:t>
             </a:r>
           </a:p>
           <a:p>
@@ -6864,8 +7048,19 @@
               </a:lnSpc>
             </a:pPr>
             <a:r>
-              <a:rPr lang="en-US" sz="2400" dirty="0"/>
-              <a:t>Tokenization is the first step in an NLP pipeline</a:t>
+              <a:rPr lang="en-US" dirty="0"/>
+              <a:t>"Who was president on Sat May 23 02:00:00 1982?”: OK</a:t>
+            </a:r>
+          </a:p>
+          <a:p>
+            <a:pPr>
+              <a:lnSpc>
+                <a:spcPct val="150000"/>
+              </a:lnSpc>
+            </a:pPr>
+            <a:r>
+              <a:rPr lang="en-US" dirty="0"/>
+              <a:t>How about: “In 1982, who was president?”</a:t>
             </a:r>
           </a:p>
           <a:p>
@@ -6875,41 +7070,408 @@
               </a:lnSpc>
             </a:pPr>
             <a:r>
-              <a:rPr lang="en-US" sz="2000" dirty="0"/>
-              <a:t>turns an unstructured string (text document) into a numerical data structure</a:t>
-            </a:r>
-          </a:p>
-          <a:p>
-            <a:pPr>
+              <a:rPr lang="en-US" dirty="0"/>
+              <a:t>This is also NLP problem, and we need a </a:t>
+            </a:r>
+            <a:r>
+              <a:rPr lang="en-US" b="1" dirty="0"/>
+              <a:t>discussion</a:t>
+            </a:r>
+          </a:p>
+          <a:p>
+            <a:pPr lvl="2">
               <a:lnSpc>
                 <a:spcPct val="150000"/>
               </a:lnSpc>
             </a:pPr>
             <a:r>
-              <a:rPr lang="en-US" sz="2400" dirty="0"/>
-              <a:t>Let’s see the code</a:t>
-            </a:r>
-          </a:p>
-          <a:p>
-            <a:pPr>
+              <a:rPr lang="en-US" b="1" dirty="0"/>
+              <a:t>Understand the information need / Consider a range of queries / Evaluation!</a:t>
+            </a:r>
+          </a:p>
+          <a:p>
+            <a:pPr lvl="1">
               <a:lnSpc>
                 <a:spcPct val="150000"/>
               </a:lnSpc>
             </a:pPr>
-            <a:endParaRPr lang="en-US" sz="2400" dirty="0"/>
+            <a:endParaRPr lang="en-US" dirty="0"/>
+          </a:p>
+          <a:p>
+            <a:pPr lvl="1">
+              <a:lnSpc>
+                <a:spcPct val="150000"/>
+              </a:lnSpc>
+            </a:pPr>
+            <a:endParaRPr lang="en-US" dirty="0"/>
           </a:p>
         </p:txBody>
       </p:sp>
     </p:spTree>
     <p:extLst>
       <p:ext uri="{BB962C8B-B14F-4D97-AF65-F5344CB8AC3E}">
-        <p14:creationId xmlns:p14="http://schemas.microsoft.com/office/powerpoint/2010/main" val="2480762340"/>
+        <p14:creationId xmlns:p14="http://schemas.microsoft.com/office/powerpoint/2010/main" val="2429608207"/>
       </p:ext>
     </p:extLst>
   </p:cSld>
   <p:clrMapOvr>
     <a:masterClrMapping/>
   </p:clrMapOvr>
+  <p:timing>
+    <p:tnLst>
+      <p:par>
+        <p:cTn id="1" dur="indefinite" restart="never" nodeType="tmRoot">
+          <p:childTnLst>
+            <p:seq concurrent="1" nextAc="seek">
+              <p:cTn id="2" dur="indefinite" nodeType="mainSeq">
+                <p:childTnLst>
+                  <p:par>
+                    <p:cTn id="3" fill="hold">
+                      <p:stCondLst>
+                        <p:cond delay="indefinite"/>
+                      </p:stCondLst>
+                      <p:childTnLst>
+                        <p:par>
+                          <p:cTn id="4" fill="hold">
+                            <p:stCondLst>
+                              <p:cond delay="0"/>
+                            </p:stCondLst>
+                            <p:childTnLst>
+                              <p:par>
+                                <p:cTn id="5" presetID="1" presetClass="entr" presetSubtype="0" fill="hold" nodeType="clickEffect">
+                                  <p:stCondLst>
+                                    <p:cond delay="0"/>
+                                  </p:stCondLst>
+                                  <p:childTnLst>
+                                    <p:set>
+                                      <p:cBhvr>
+                                        <p:cTn id="6" dur="1" fill="hold">
+                                          <p:stCondLst>
+                                            <p:cond delay="0"/>
+                                          </p:stCondLst>
+                                        </p:cTn>
+                                        <p:tgtEl>
+                                          <p:spTgt spid="3">
+                                            <p:txEl>
+                                              <p:pRg st="0" end="0"/>
+                                            </p:txEl>
+                                          </p:spTgt>
+                                        </p:tgtEl>
+                                        <p:attrNameLst>
+                                          <p:attrName>style.visibility</p:attrName>
+                                        </p:attrNameLst>
+                                      </p:cBhvr>
+                                      <p:to>
+                                        <p:strVal val="visible"/>
+                                      </p:to>
+                                    </p:set>
+                                  </p:childTnLst>
+                                </p:cTn>
+                              </p:par>
+                            </p:childTnLst>
+                          </p:cTn>
+                        </p:par>
+                      </p:childTnLst>
+                    </p:cTn>
+                  </p:par>
+                  <p:par>
+                    <p:cTn id="7" fill="hold">
+                      <p:stCondLst>
+                        <p:cond delay="indefinite"/>
+                      </p:stCondLst>
+                      <p:childTnLst>
+                        <p:par>
+                          <p:cTn id="8" fill="hold">
+                            <p:stCondLst>
+                              <p:cond delay="0"/>
+                            </p:stCondLst>
+                            <p:childTnLst>
+                              <p:par>
+                                <p:cTn id="9" presetID="1" presetClass="entr" presetSubtype="0" fill="hold" nodeType="clickEffect">
+                                  <p:stCondLst>
+                                    <p:cond delay="0"/>
+                                  </p:stCondLst>
+                                  <p:childTnLst>
+                                    <p:set>
+                                      <p:cBhvr>
+                                        <p:cTn id="10" dur="1" fill="hold">
+                                          <p:stCondLst>
+                                            <p:cond delay="0"/>
+                                          </p:stCondLst>
+                                        </p:cTn>
+                                        <p:tgtEl>
+                                          <p:spTgt spid="3">
+                                            <p:txEl>
+                                              <p:pRg st="1" end="1"/>
+                                            </p:txEl>
+                                          </p:spTgt>
+                                        </p:tgtEl>
+                                        <p:attrNameLst>
+                                          <p:attrName>style.visibility</p:attrName>
+                                        </p:attrNameLst>
+                                      </p:cBhvr>
+                                      <p:to>
+                                        <p:strVal val="visible"/>
+                                      </p:to>
+                                    </p:set>
+                                  </p:childTnLst>
+                                </p:cTn>
+                              </p:par>
+                            </p:childTnLst>
+                          </p:cTn>
+                        </p:par>
+                      </p:childTnLst>
+                    </p:cTn>
+                  </p:par>
+                  <p:par>
+                    <p:cTn id="11" fill="hold">
+                      <p:stCondLst>
+                        <p:cond delay="indefinite"/>
+                      </p:stCondLst>
+                      <p:childTnLst>
+                        <p:par>
+                          <p:cTn id="12" fill="hold">
+                            <p:stCondLst>
+                              <p:cond delay="0"/>
+                            </p:stCondLst>
+                            <p:childTnLst>
+                              <p:par>
+                                <p:cTn id="13" presetID="1" presetClass="entr" presetSubtype="0" fill="hold" nodeType="clickEffect">
+                                  <p:stCondLst>
+                                    <p:cond delay="0"/>
+                                  </p:stCondLst>
+                                  <p:childTnLst>
+                                    <p:set>
+                                      <p:cBhvr>
+                                        <p:cTn id="14" dur="1" fill="hold">
+                                          <p:stCondLst>
+                                            <p:cond delay="0"/>
+                                          </p:stCondLst>
+                                        </p:cTn>
+                                        <p:tgtEl>
+                                          <p:spTgt spid="3">
+                                            <p:txEl>
+                                              <p:pRg st="2" end="2"/>
+                                            </p:txEl>
+                                          </p:spTgt>
+                                        </p:tgtEl>
+                                        <p:attrNameLst>
+                                          <p:attrName>style.visibility</p:attrName>
+                                        </p:attrNameLst>
+                                      </p:cBhvr>
+                                      <p:to>
+                                        <p:strVal val="visible"/>
+                                      </p:to>
+                                    </p:set>
+                                  </p:childTnLst>
+                                </p:cTn>
+                              </p:par>
+                            </p:childTnLst>
+                          </p:cTn>
+                        </p:par>
+                      </p:childTnLst>
+                    </p:cTn>
+                  </p:par>
+                  <p:par>
+                    <p:cTn id="15" fill="hold">
+                      <p:stCondLst>
+                        <p:cond delay="indefinite"/>
+                      </p:stCondLst>
+                      <p:childTnLst>
+                        <p:par>
+                          <p:cTn id="16" fill="hold">
+                            <p:stCondLst>
+                              <p:cond delay="0"/>
+                            </p:stCondLst>
+                            <p:childTnLst>
+                              <p:par>
+                                <p:cTn id="17" presetID="1" presetClass="entr" presetSubtype="0" fill="hold" nodeType="clickEffect">
+                                  <p:stCondLst>
+                                    <p:cond delay="0"/>
+                                  </p:stCondLst>
+                                  <p:childTnLst>
+                                    <p:set>
+                                      <p:cBhvr>
+                                        <p:cTn id="18" dur="1" fill="hold">
+                                          <p:stCondLst>
+                                            <p:cond delay="0"/>
+                                          </p:stCondLst>
+                                        </p:cTn>
+                                        <p:tgtEl>
+                                          <p:spTgt spid="3">
+                                            <p:txEl>
+                                              <p:pRg st="3" end="3"/>
+                                            </p:txEl>
+                                          </p:spTgt>
+                                        </p:tgtEl>
+                                        <p:attrNameLst>
+                                          <p:attrName>style.visibility</p:attrName>
+                                        </p:attrNameLst>
+                                      </p:cBhvr>
+                                      <p:to>
+                                        <p:strVal val="visible"/>
+                                      </p:to>
+                                    </p:set>
+                                  </p:childTnLst>
+                                </p:cTn>
+                              </p:par>
+                            </p:childTnLst>
+                          </p:cTn>
+                        </p:par>
+                      </p:childTnLst>
+                    </p:cTn>
+                  </p:par>
+                  <p:par>
+                    <p:cTn id="19" fill="hold">
+                      <p:stCondLst>
+                        <p:cond delay="indefinite"/>
+                      </p:stCondLst>
+                      <p:childTnLst>
+                        <p:par>
+                          <p:cTn id="20" fill="hold">
+                            <p:stCondLst>
+                              <p:cond delay="0"/>
+                            </p:stCondLst>
+                            <p:childTnLst>
+                              <p:par>
+                                <p:cTn id="21" presetID="1" presetClass="entr" presetSubtype="0" fill="hold" nodeType="clickEffect">
+                                  <p:stCondLst>
+                                    <p:cond delay="0"/>
+                                  </p:stCondLst>
+                                  <p:childTnLst>
+                                    <p:set>
+                                      <p:cBhvr>
+                                        <p:cTn id="22" dur="1" fill="hold">
+                                          <p:stCondLst>
+                                            <p:cond delay="0"/>
+                                          </p:stCondLst>
+                                        </p:cTn>
+                                        <p:tgtEl>
+                                          <p:spTgt spid="3">
+                                            <p:txEl>
+                                              <p:pRg st="4" end="4"/>
+                                            </p:txEl>
+                                          </p:spTgt>
+                                        </p:tgtEl>
+                                        <p:attrNameLst>
+                                          <p:attrName>style.visibility</p:attrName>
+                                        </p:attrNameLst>
+                                      </p:cBhvr>
+                                      <p:to>
+                                        <p:strVal val="visible"/>
+                                      </p:to>
+                                    </p:set>
+                                  </p:childTnLst>
+                                </p:cTn>
+                              </p:par>
+                            </p:childTnLst>
+                          </p:cTn>
+                        </p:par>
+                      </p:childTnLst>
+                    </p:cTn>
+                  </p:par>
+                  <p:par>
+                    <p:cTn id="23" fill="hold">
+                      <p:stCondLst>
+                        <p:cond delay="indefinite"/>
+                      </p:stCondLst>
+                      <p:childTnLst>
+                        <p:par>
+                          <p:cTn id="24" fill="hold">
+                            <p:stCondLst>
+                              <p:cond delay="0"/>
+                            </p:stCondLst>
+                            <p:childTnLst>
+                              <p:par>
+                                <p:cTn id="25" presetID="1" presetClass="entr" presetSubtype="0" fill="hold" nodeType="clickEffect">
+                                  <p:stCondLst>
+                                    <p:cond delay="0"/>
+                                  </p:stCondLst>
+                                  <p:childTnLst>
+                                    <p:set>
+                                      <p:cBhvr>
+                                        <p:cTn id="26" dur="1" fill="hold">
+                                          <p:stCondLst>
+                                            <p:cond delay="0"/>
+                                          </p:stCondLst>
+                                        </p:cTn>
+                                        <p:tgtEl>
+                                          <p:spTgt spid="3">
+                                            <p:txEl>
+                                              <p:pRg st="5" end="5"/>
+                                            </p:txEl>
+                                          </p:spTgt>
+                                        </p:tgtEl>
+                                        <p:attrNameLst>
+                                          <p:attrName>style.visibility</p:attrName>
+                                        </p:attrNameLst>
+                                      </p:cBhvr>
+                                      <p:to>
+                                        <p:strVal val="visible"/>
+                                      </p:to>
+                                    </p:set>
+                                  </p:childTnLst>
+                                </p:cTn>
+                              </p:par>
+                              <p:par>
+                                <p:cTn id="27" presetID="1" presetClass="entr" presetSubtype="0" fill="hold" nodeType="withEffect">
+                                  <p:stCondLst>
+                                    <p:cond delay="0"/>
+                                  </p:stCondLst>
+                                  <p:childTnLst>
+                                    <p:set>
+                                      <p:cBhvr>
+                                        <p:cTn id="28" dur="1" fill="hold">
+                                          <p:stCondLst>
+                                            <p:cond delay="0"/>
+                                          </p:stCondLst>
+                                        </p:cTn>
+                                        <p:tgtEl>
+                                          <p:spTgt spid="3">
+                                            <p:txEl>
+                                              <p:pRg st="6" end="6"/>
+                                            </p:txEl>
+                                          </p:spTgt>
+                                        </p:tgtEl>
+                                        <p:attrNameLst>
+                                          <p:attrName>style.visibility</p:attrName>
+                                        </p:attrNameLst>
+                                      </p:cBhvr>
+                                      <p:to>
+                                        <p:strVal val="visible"/>
+                                      </p:to>
+                                    </p:set>
+                                  </p:childTnLst>
+                                </p:cTn>
+                              </p:par>
+                            </p:childTnLst>
+                          </p:cTn>
+                        </p:par>
+                      </p:childTnLst>
+                    </p:cTn>
+                  </p:par>
+                </p:childTnLst>
+              </p:cTn>
+              <p:prevCondLst>
+                <p:cond evt="onPrev" delay="0">
+                  <p:tgtEl>
+                    <p:sldTgt/>
+                  </p:tgtEl>
+                </p:cond>
+              </p:prevCondLst>
+              <p:nextCondLst>
+                <p:cond evt="onNext" delay="0">
+                  <p:tgtEl>
+                    <p:sldTgt/>
+                  </p:tgtEl>
+                </p:cond>
+              </p:nextCondLst>
+            </p:seq>
+          </p:childTnLst>
+        </p:cTn>
+      </p:par>
+    </p:tnLst>
+  </p:timing>
 </p:sld>
 </file>
 
@@ -6935,7 +7497,7 @@
           <p:cNvPr id="2" name="Title 1">
             <a:extLst>
               <a:ext uri="{FF2B5EF4-FFF2-40B4-BE49-F238E27FC236}">
-                <a16:creationId xmlns:a16="http://schemas.microsoft.com/office/drawing/2014/main" id="{CB92D304-968C-1E3E-7EA3-C62ABA78F92B}"/>
+                <a16:creationId xmlns:a16="http://schemas.microsoft.com/office/drawing/2014/main" id="{0E62C21A-EE0E-8BD8-BC36-3ADE9CC44837}"/>
               </a:ext>
             </a:extLst>
           </p:cNvPr>
@@ -6953,7 +7515,7 @@
           <a:p>
             <a:r>
               <a:rPr lang="en-US" dirty="0"/>
-              <a:t>Terminologies…</a:t>
+              <a:t>Process</a:t>
             </a:r>
           </a:p>
         </p:txBody>
@@ -6963,7 +7525,7 @@
           <p:cNvPr id="3" name="Content Placeholder 2">
             <a:extLst>
               <a:ext uri="{FF2B5EF4-FFF2-40B4-BE49-F238E27FC236}">
-                <a16:creationId xmlns:a16="http://schemas.microsoft.com/office/drawing/2014/main" id="{9966CC58-328E-518E-9E02-38A00B59F238}"/>
+                <a16:creationId xmlns:a16="http://schemas.microsoft.com/office/drawing/2014/main" id="{F5F9A82A-0A78-9D9D-563A-E2A024368E8A}"/>
               </a:ext>
             </a:extLst>
           </p:cNvPr>
@@ -6976,90 +7538,90 @@
         </p:nvSpPr>
         <p:spPr/>
         <p:txBody>
-          <a:bodyPr/>
+          <a:bodyPr>
+            <a:normAutofit/>
+          </a:bodyPr>
           <a:lstStyle/>
           <a:p>
-            <a:r>
-              <a:rPr lang="en-US" dirty="0"/>
-              <a:t>“Type,” “word,” and “token” are terms used to describe different units of text</a:t>
-            </a:r>
-          </a:p>
-          <a:p>
-            <a:r>
-              <a:rPr lang="en-US" dirty="0"/>
-              <a:t>Type: a unique distinct word or lexeme in a language, independent of inflections</a:t>
-            </a:r>
-          </a:p>
-          <a:p>
-            <a:pPr lvl="1"/>
-            <a:r>
-              <a:rPr lang="en-US" i="1" dirty="0"/>
-              <a:t>The cat chased the cat</a:t>
-            </a:r>
-          </a:p>
-          <a:p>
-            <a:pPr lvl="1"/>
-            <a:r>
-              <a:rPr lang="en-US" dirty="0"/>
-              <a:t>Two types: “cat” and “chased”</a:t>
-            </a:r>
-          </a:p>
-          <a:p>
-            <a:r>
-              <a:rPr lang="en-US" dirty="0"/>
-              <a:t>Word: a grammatical unit that represents a single lexical unit of meaning</a:t>
-            </a:r>
-          </a:p>
-          <a:p>
-            <a:pPr lvl="1"/>
-            <a:r>
-              <a:rPr lang="en-US" i="1" dirty="0"/>
-              <a:t>I like to read books</a:t>
-            </a:r>
-          </a:p>
-          <a:p>
-            <a:pPr lvl="1"/>
-            <a:r>
-              <a:rPr lang="en-US" dirty="0"/>
-              <a:t>Five words</a:t>
-            </a:r>
-          </a:p>
-          <a:p>
-            <a:r>
-              <a:rPr lang="en-US" dirty="0"/>
-              <a:t>A token is an instance or occurrence of a word</a:t>
-            </a:r>
-          </a:p>
-          <a:p>
-            <a:pPr lvl="1"/>
-            <a:r>
-              <a:rPr lang="en-US" i="1" dirty="0"/>
-              <a:t>I like to read books.</a:t>
-            </a:r>
-          </a:p>
-          <a:p>
-            <a:pPr lvl="1"/>
-            <a:r>
-              <a:rPr lang="en-US" dirty="0"/>
-              <a:t>6 tokens including a punctuation</a:t>
-            </a:r>
-          </a:p>
-          <a:p>
-            <a:pPr lvl="1"/>
-            <a:r>
-              <a:rPr lang="en-US" dirty="0"/>
-              <a:t>Use token and word interchangeably here</a:t>
-            </a:r>
-          </a:p>
-          <a:p>
-            <a:endParaRPr lang="en-US" dirty="0"/>
+            <a:pPr>
+              <a:lnSpc>
+                <a:spcPct val="150000"/>
+              </a:lnSpc>
+            </a:pPr>
+            <a:r>
+              <a:rPr lang="en-US" sz="2400" dirty="0"/>
+              <a:t>Break up text into smaller chunks</a:t>
+            </a:r>
+          </a:p>
+          <a:p>
+            <a:pPr lvl="1">
+              <a:lnSpc>
+                <a:spcPct val="150000"/>
+              </a:lnSpc>
+            </a:pPr>
+            <a:r>
+              <a:rPr lang="en-US" sz="2200" dirty="0"/>
+              <a:t>Corpus →Document → paragraphs → sentences → phrases → tokens</a:t>
+            </a:r>
+          </a:p>
+          <a:p>
+            <a:pPr>
+              <a:lnSpc>
+                <a:spcPct val="150000"/>
+              </a:lnSpc>
+            </a:pPr>
+            <a:r>
+              <a:rPr lang="en-US" sz="2400" dirty="0"/>
+              <a:t>Tokenization is a particular kind of document segmentation</a:t>
+            </a:r>
+          </a:p>
+          <a:p>
+            <a:pPr>
+              <a:lnSpc>
+                <a:spcPct val="150000"/>
+              </a:lnSpc>
+            </a:pPr>
+            <a:r>
+              <a:rPr lang="en-US" sz="2400" dirty="0"/>
+              <a:t>Tokenization is the first step in an NLP pipeline</a:t>
+            </a:r>
+          </a:p>
+          <a:p>
+            <a:pPr lvl="1">
+              <a:lnSpc>
+                <a:spcPct val="150000"/>
+              </a:lnSpc>
+            </a:pPr>
+            <a:r>
+              <a:rPr lang="en-US" sz="2000" dirty="0"/>
+              <a:t>turns an unstructured string (text document) into a numerical data structure</a:t>
+            </a:r>
+          </a:p>
+          <a:p>
+            <a:pPr>
+              <a:lnSpc>
+                <a:spcPct val="150000"/>
+              </a:lnSpc>
+            </a:pPr>
+            <a:r>
+              <a:rPr lang="en-US" sz="2400" dirty="0"/>
+              <a:t>Let’s see the code</a:t>
+            </a:r>
+          </a:p>
+          <a:p>
+            <a:pPr>
+              <a:lnSpc>
+                <a:spcPct val="150000"/>
+              </a:lnSpc>
+            </a:pPr>
+            <a:endParaRPr lang="en-US" sz="2400" dirty="0"/>
           </a:p>
         </p:txBody>
       </p:sp>
     </p:spTree>
     <p:extLst>
       <p:ext uri="{BB962C8B-B14F-4D97-AF65-F5344CB8AC3E}">
-        <p14:creationId xmlns:p14="http://schemas.microsoft.com/office/powerpoint/2010/main" val="2037179962"/>
+        <p14:creationId xmlns:p14="http://schemas.microsoft.com/office/powerpoint/2010/main" val="2480762340"/>
       </p:ext>
     </p:extLst>
   </p:cSld>
@@ -7091,7 +7653,7 @@
           <p:cNvPr id="2" name="Title 1">
             <a:extLst>
               <a:ext uri="{FF2B5EF4-FFF2-40B4-BE49-F238E27FC236}">
-                <a16:creationId xmlns:a16="http://schemas.microsoft.com/office/drawing/2014/main" id="{168A8EB1-80F0-D75D-5560-3BB574F1B683}"/>
+                <a16:creationId xmlns:a16="http://schemas.microsoft.com/office/drawing/2014/main" id="{CB92D304-968C-1E3E-7EA3-C62ABA78F92B}"/>
               </a:ext>
             </a:extLst>
           </p:cNvPr>
@@ -7109,7 +7671,7 @@
           <a:p>
             <a:r>
               <a:rPr lang="en-US" dirty="0"/>
-              <a:t>One-hot vector?</a:t>
+              <a:t>Terminologies…</a:t>
             </a:r>
           </a:p>
         </p:txBody>
@@ -7119,7 +7681,7 @@
           <p:cNvPr id="3" name="Content Placeholder 2">
             <a:extLst>
               <a:ext uri="{FF2B5EF4-FFF2-40B4-BE49-F238E27FC236}">
-                <a16:creationId xmlns:a16="http://schemas.microsoft.com/office/drawing/2014/main" id="{5CC698CD-5598-24D2-8B2D-E444A1981FCD}"/>
+                <a16:creationId xmlns:a16="http://schemas.microsoft.com/office/drawing/2014/main" id="{9966CC58-328E-518E-9E02-38A00B59F238}"/>
               </a:ext>
             </a:extLst>
           </p:cNvPr>
@@ -7133,130 +7695,87 @@
         <p:spPr/>
         <p:txBody>
           <a:bodyPr>
-            <a:normAutofit fontScale="92500" lnSpcReduction="10000"/>
+            <a:normAutofit lnSpcReduction="10000"/>
           </a:bodyPr>
           <a:lstStyle/>
           <a:p>
-            <a:pPr>
-              <a:lnSpc>
-                <a:spcPct val="150000"/>
-              </a:lnSpc>
-            </a:pPr>
-            <a:r>
-              <a:rPr lang="en-US" dirty="0"/>
-              <a:t>What’s the downside?</a:t>
-            </a:r>
-          </a:p>
-          <a:p>
-            <a:pPr lvl="1">
-              <a:lnSpc>
-                <a:spcPct val="150000"/>
-              </a:lnSpc>
-            </a:pPr>
-            <a:r>
-              <a:rPr lang="en-US" dirty="0"/>
-              <a:t>Storing all those zeros, and trying to remember the order of the words in all your documents, doesn’t make much sense</a:t>
-            </a:r>
-          </a:p>
-          <a:p>
-            <a:pPr>
-              <a:lnSpc>
-                <a:spcPct val="150000"/>
-              </a:lnSpc>
-            </a:pPr>
-            <a:r>
-              <a:rPr lang="en-US" b="0" i="0" dirty="0">
-                <a:solidFill>
-                  <a:srgbClr val="000000"/>
-                </a:solidFill>
-                <a:effectLst/>
-              </a:rPr>
-              <a:t>You’d like to compress your document down to a single vector rather than a big table</a:t>
-            </a:r>
-          </a:p>
-          <a:p>
-            <a:pPr lvl="1">
-              <a:lnSpc>
-                <a:spcPct val="150000"/>
-              </a:lnSpc>
-            </a:pPr>
-            <a:r>
-              <a:rPr lang="en-US" dirty="0">
-                <a:solidFill>
-                  <a:srgbClr val="000000"/>
-                </a:solidFill>
-              </a:rPr>
-              <a:t>Trade-off: need to give up something</a:t>
-            </a:r>
-          </a:p>
-          <a:p>
-            <a:pPr>
-              <a:lnSpc>
-                <a:spcPct val="150000"/>
-              </a:lnSpc>
-            </a:pPr>
-            <a:r>
-              <a:rPr lang="en-US" dirty="0">
-                <a:solidFill>
-                  <a:srgbClr val="000000"/>
-                </a:solidFill>
-              </a:rPr>
-              <a:t>We will revisit this representation later (sentence-base analysis)</a:t>
-            </a:r>
-          </a:p>
-          <a:p>
-            <a:pPr lvl="1">
-              <a:lnSpc>
-                <a:spcPct val="150000"/>
-              </a:lnSpc>
-            </a:pPr>
-            <a:r>
-              <a:rPr lang="en-US" dirty="0">
-                <a:solidFill>
-                  <a:srgbClr val="000000"/>
-                </a:solidFill>
-              </a:rPr>
-              <a:t>Essential input for CNN (Convolution Neural net)</a:t>
-            </a:r>
-          </a:p>
-          <a:p>
-            <a:pPr>
-              <a:lnSpc>
-                <a:spcPct val="150000"/>
-              </a:lnSpc>
-            </a:pPr>
-            <a:r>
-              <a:rPr lang="en-US" dirty="0">
-                <a:solidFill>
-                  <a:srgbClr val="000000"/>
-                </a:solidFill>
-              </a:rPr>
-              <a:t>Let’s go back to the code</a:t>
-            </a:r>
-          </a:p>
-          <a:p>
-            <a:pPr>
-              <a:lnSpc>
-                <a:spcPct val="150000"/>
-              </a:lnSpc>
-            </a:pPr>
-            <a:endParaRPr lang="en-US" dirty="0">
-              <a:solidFill>
-                <a:srgbClr val="000000"/>
-              </a:solidFill>
-            </a:endParaRPr>
-          </a:p>
-          <a:p>
-            <a:pPr>
-              <a:lnSpc>
-                <a:spcPct val="150000"/>
-              </a:lnSpc>
-            </a:pPr>
-            <a:endParaRPr lang="en-US" dirty="0">
-              <a:solidFill>
-                <a:srgbClr val="000000"/>
-              </a:solidFill>
-            </a:endParaRPr>
+            <a:r>
+              <a:rPr lang="en-US" dirty="0"/>
+              <a:t>“Type,” “word,” and “token” are terms used to describe different units of text</a:t>
+            </a:r>
+          </a:p>
+          <a:p>
+            <a:r>
+              <a:rPr lang="en-US" dirty="0"/>
+              <a:t>Type: a unique distinct word or lexeme in a language, independent of inflections</a:t>
+            </a:r>
+          </a:p>
+          <a:p>
+            <a:pPr lvl="1"/>
+            <a:r>
+              <a:rPr lang="en-US" i="1" dirty="0"/>
+              <a:t>The cat chased the cat</a:t>
+            </a:r>
+          </a:p>
+          <a:p>
+            <a:pPr lvl="1"/>
+            <a:r>
+              <a:rPr lang="en-US" dirty="0"/>
+              <a:t>Two types: “cat” and “chased”</a:t>
+            </a:r>
+          </a:p>
+          <a:p>
+            <a:r>
+              <a:rPr lang="en-US" dirty="0"/>
+              <a:t>Word: a grammatical unit that represents a single lexical unit of meaning</a:t>
+            </a:r>
+          </a:p>
+          <a:p>
+            <a:pPr lvl="1"/>
+            <a:r>
+              <a:rPr lang="en-US" i="1" dirty="0"/>
+              <a:t>I like to read books</a:t>
+            </a:r>
+          </a:p>
+          <a:p>
+            <a:pPr lvl="1"/>
+            <a:r>
+              <a:rPr lang="en-US" dirty="0"/>
+              <a:t>Five words</a:t>
+            </a:r>
+          </a:p>
+          <a:p>
+            <a:r>
+              <a:rPr lang="en-US" dirty="0"/>
+              <a:t>A token is an instance or occurrence of a word</a:t>
+            </a:r>
+          </a:p>
+          <a:p>
+            <a:pPr lvl="1"/>
+            <a:r>
+              <a:rPr lang="en-US" i="1" dirty="0"/>
+              <a:t>I like to read books.</a:t>
+            </a:r>
+          </a:p>
+          <a:p>
+            <a:pPr lvl="1"/>
+            <a:r>
+              <a:rPr lang="en-US" dirty="0"/>
+              <a:t>6 tokens including a punctuation</a:t>
+            </a:r>
+          </a:p>
+          <a:p>
+            <a:pPr lvl="1"/>
+            <a:r>
+              <a:rPr lang="en-US" dirty="0"/>
+              <a:t>Use token and word interchangeably here</a:t>
+            </a:r>
+          </a:p>
+          <a:p>
+            <a:r>
+              <a:rPr lang="en-US" dirty="0"/>
+              <a:t>Go back to the code</a:t>
+            </a:r>
           </a:p>
           <a:p>
             <a:endParaRPr lang="en-US" dirty="0"/>
@@ -7266,7 +7785,7 @@
     </p:spTree>
     <p:extLst>
       <p:ext uri="{BB962C8B-B14F-4D97-AF65-F5344CB8AC3E}">
-        <p14:creationId xmlns:p14="http://schemas.microsoft.com/office/powerpoint/2010/main" val="798747090"/>
+        <p14:creationId xmlns:p14="http://schemas.microsoft.com/office/powerpoint/2010/main" val="2037179962"/>
       </p:ext>
     </p:extLst>
   </p:cSld>
@@ -7298,6 +7817,198 @@
           <p:cNvPr id="2" name="Title 1">
             <a:extLst>
               <a:ext uri="{FF2B5EF4-FFF2-40B4-BE49-F238E27FC236}">
+                <a16:creationId xmlns:a16="http://schemas.microsoft.com/office/drawing/2014/main" id="{168A8EB1-80F0-D75D-5560-3BB574F1B683}"/>
+              </a:ext>
+            </a:extLst>
+          </p:cNvPr>
+          <p:cNvSpPr>
+            <a:spLocks noGrp="1"/>
+          </p:cNvSpPr>
+          <p:nvPr>
+            <p:ph type="title"/>
+          </p:nvPr>
+        </p:nvSpPr>
+        <p:spPr/>
+        <p:txBody>
+          <a:bodyPr/>
+          <a:lstStyle/>
+          <a:p>
+            <a:r>
+              <a:rPr lang="en-US" dirty="0"/>
+              <a:t>One-hot vector representation</a:t>
+            </a:r>
+          </a:p>
+        </p:txBody>
+      </p:sp>
+      <p:sp>
+        <p:nvSpPr>
+          <p:cNvPr id="3" name="Content Placeholder 2">
+            <a:extLst>
+              <a:ext uri="{FF2B5EF4-FFF2-40B4-BE49-F238E27FC236}">
+                <a16:creationId xmlns:a16="http://schemas.microsoft.com/office/drawing/2014/main" id="{5CC698CD-5598-24D2-8B2D-E444A1981FCD}"/>
+              </a:ext>
+            </a:extLst>
+          </p:cNvPr>
+          <p:cNvSpPr>
+            <a:spLocks noGrp="1"/>
+          </p:cNvSpPr>
+          <p:nvPr>
+            <p:ph idx="1"/>
+          </p:nvPr>
+        </p:nvSpPr>
+        <p:spPr/>
+        <p:txBody>
+          <a:bodyPr>
+            <a:normAutofit/>
+          </a:bodyPr>
+          <a:lstStyle/>
+          <a:p>
+            <a:pPr>
+              <a:lnSpc>
+                <a:spcPct val="150000"/>
+              </a:lnSpc>
+            </a:pPr>
+            <a:r>
+              <a:rPr lang="en-US" dirty="0"/>
+              <a:t>What’s the downside?</a:t>
+            </a:r>
+          </a:p>
+          <a:p>
+            <a:pPr lvl="1">
+              <a:lnSpc>
+                <a:spcPct val="150000"/>
+              </a:lnSpc>
+            </a:pPr>
+            <a:r>
+              <a:rPr lang="en-US" dirty="0"/>
+              <a:t>Size… Why?</a:t>
+            </a:r>
+          </a:p>
+          <a:p>
+            <a:pPr>
+              <a:lnSpc>
+                <a:spcPct val="150000"/>
+              </a:lnSpc>
+            </a:pPr>
+            <a:r>
+              <a:rPr lang="en-US" b="0" i="0" dirty="0">
+                <a:solidFill>
+                  <a:srgbClr val="000000"/>
+                </a:solidFill>
+                <a:effectLst/>
+              </a:rPr>
+              <a:t>You’d like to compress your document down to a single vector rather than a big table</a:t>
+            </a:r>
+          </a:p>
+          <a:p>
+            <a:pPr lvl="1">
+              <a:lnSpc>
+                <a:spcPct val="150000"/>
+              </a:lnSpc>
+            </a:pPr>
+            <a:r>
+              <a:rPr lang="en-US" dirty="0">
+                <a:solidFill>
+                  <a:srgbClr val="000000"/>
+                </a:solidFill>
+              </a:rPr>
+              <a:t>Trade-off: need to give up something</a:t>
+            </a:r>
+          </a:p>
+          <a:p>
+            <a:pPr>
+              <a:lnSpc>
+                <a:spcPct val="150000"/>
+              </a:lnSpc>
+            </a:pPr>
+            <a:r>
+              <a:rPr lang="en-US" dirty="0">
+                <a:solidFill>
+                  <a:srgbClr val="000000"/>
+                </a:solidFill>
+              </a:rPr>
+              <a:t>We will revisit this representation later (sentence-base analysis)</a:t>
+            </a:r>
+          </a:p>
+          <a:p>
+            <a:pPr lvl="1">
+              <a:lnSpc>
+                <a:spcPct val="150000"/>
+              </a:lnSpc>
+            </a:pPr>
+            <a:r>
+              <a:rPr lang="en-US" dirty="0">
+                <a:solidFill>
+                  <a:srgbClr val="000000"/>
+                </a:solidFill>
+              </a:rPr>
+              <a:t>Essential input for CNN (Convolution Neural net)</a:t>
+            </a:r>
+          </a:p>
+          <a:p>
+            <a:pPr>
+              <a:lnSpc>
+                <a:spcPct val="150000"/>
+              </a:lnSpc>
+            </a:pPr>
+            <a:endParaRPr lang="en-US" dirty="0">
+              <a:solidFill>
+                <a:srgbClr val="000000"/>
+              </a:solidFill>
+            </a:endParaRPr>
+          </a:p>
+          <a:p>
+            <a:pPr>
+              <a:lnSpc>
+                <a:spcPct val="150000"/>
+              </a:lnSpc>
+            </a:pPr>
+            <a:endParaRPr lang="en-US" dirty="0">
+              <a:solidFill>
+                <a:srgbClr val="000000"/>
+              </a:solidFill>
+            </a:endParaRPr>
+          </a:p>
+          <a:p>
+            <a:endParaRPr lang="en-US" dirty="0"/>
+          </a:p>
+        </p:txBody>
+      </p:sp>
+    </p:spTree>
+    <p:extLst>
+      <p:ext uri="{BB962C8B-B14F-4D97-AF65-F5344CB8AC3E}">
+        <p14:creationId xmlns:p14="http://schemas.microsoft.com/office/powerpoint/2010/main" val="798747090"/>
+      </p:ext>
+    </p:extLst>
+  </p:cSld>
+  <p:clrMapOvr>
+    <a:masterClrMapping/>
+  </p:clrMapOvr>
+</p:sld>
+</file>
+
+<file path=ppt/slides/slide6.xml><?xml version="1.0" encoding="utf-8"?>
+<p:sld xmlns:a="http://schemas.openxmlformats.org/drawingml/2006/main" xmlns:r="http://schemas.openxmlformats.org/officeDocument/2006/relationships" xmlns:p="http://schemas.openxmlformats.org/presentationml/2006/main">
+  <p:cSld>
+    <p:spTree>
+      <p:nvGrpSpPr>
+        <p:cNvPr id="1" name=""/>
+        <p:cNvGrpSpPr/>
+        <p:nvPr/>
+      </p:nvGrpSpPr>
+      <p:grpSpPr>
+        <a:xfrm>
+          <a:off x="0" y="0"/>
+          <a:ext cx="0" cy="0"/>
+          <a:chOff x="0" y="0"/>
+          <a:chExt cx="0" cy="0"/>
+        </a:xfrm>
+      </p:grpSpPr>
+      <p:sp>
+        <p:nvSpPr>
+          <p:cNvPr id="2" name="Title 1">
+            <a:extLst>
+              <a:ext uri="{FF2B5EF4-FFF2-40B4-BE49-F238E27FC236}">
                 <a16:creationId xmlns:a16="http://schemas.microsoft.com/office/drawing/2014/main" id="{175ABE6F-4D45-EEB9-91A9-754E098762F8}"/>
               </a:ext>
             </a:extLst>
@@ -7341,7 +8052,9 @@
             </p:nvSpPr>
             <p:spPr/>
             <p:txBody>
-              <a:bodyPr/>
+              <a:bodyPr>
+                <a:normAutofit lnSpcReduction="10000"/>
+              </a:bodyPr>
               <a:lstStyle/>
               <a:p>
                 <a:pPr>
@@ -7552,6 +8265,17 @@
                 </a:r>
               </a:p>
               <a:p>
+                <a:pPr>
+                  <a:lnSpc>
+                    <a:spcPct val="150000"/>
+                  </a:lnSpc>
+                </a:pPr>
+                <a:r>
+                  <a:rPr lang="en-US" dirty="0"/>
+                  <a:t>Code again</a:t>
+                </a:r>
+              </a:p>
+              <a:p>
                 <a:endParaRPr lang="en-US" dirty="0"/>
               </a:p>
             </p:txBody>
@@ -7578,7 +8302,7 @@
               <a:blipFill>
                 <a:blip r:embed="rId2"/>
                 <a:stretch>
-                  <a:fillRect l="-378"/>
+                  <a:fillRect l="-378" b="-313"/>
                 </a:stretch>
               </a:blipFill>
             </p:spPr>
@@ -7610,161 +8334,6 @@
 </p:sld>
 </file>
 
-<file path=ppt/slides/slide6.xml><?xml version="1.0" encoding="utf-8"?>
-<p:sld xmlns:a="http://schemas.openxmlformats.org/drawingml/2006/main" xmlns:r="http://schemas.openxmlformats.org/officeDocument/2006/relationships" xmlns:p="http://schemas.openxmlformats.org/presentationml/2006/main">
-  <p:cSld>
-    <p:spTree>
-      <p:nvGrpSpPr>
-        <p:cNvPr id="1" name=""/>
-        <p:cNvGrpSpPr/>
-        <p:nvPr/>
-      </p:nvGrpSpPr>
-      <p:grpSpPr>
-        <a:xfrm>
-          <a:off x="0" y="0"/>
-          <a:ext cx="0" cy="0"/>
-          <a:chOff x="0" y="0"/>
-          <a:chExt cx="0" cy="0"/>
-        </a:xfrm>
-      </p:grpSpPr>
-      <p:sp>
-        <p:nvSpPr>
-          <p:cNvPr id="2" name="Title 1">
-            <a:extLst>
-              <a:ext uri="{FF2B5EF4-FFF2-40B4-BE49-F238E27FC236}">
-                <a16:creationId xmlns:a16="http://schemas.microsoft.com/office/drawing/2014/main" id="{B39213E6-163B-0373-07C9-874A38FF9936}"/>
-              </a:ext>
-            </a:extLst>
-          </p:cNvPr>
-          <p:cNvSpPr>
-            <a:spLocks noGrp="1"/>
-          </p:cNvSpPr>
-          <p:nvPr>
-            <p:ph type="title"/>
-          </p:nvPr>
-        </p:nvSpPr>
-        <p:spPr>
-          <a:xfrm>
-            <a:off x="1069848" y="475007"/>
-            <a:ext cx="10058400" cy="1609344"/>
-          </a:xfrm>
-        </p:spPr>
-        <p:txBody>
-          <a:bodyPr>
-            <a:normAutofit/>
-          </a:bodyPr>
-          <a:lstStyle/>
-          <a:p>
-            <a:r>
-              <a:rPr lang="en-US" dirty="0"/>
-              <a:t>Tokenization</a:t>
-            </a:r>
-          </a:p>
-        </p:txBody>
-      </p:sp>
-      <p:sp>
-        <p:nvSpPr>
-          <p:cNvPr id="3" name="Content Placeholder 2">
-            <a:extLst>
-              <a:ext uri="{FF2B5EF4-FFF2-40B4-BE49-F238E27FC236}">
-                <a16:creationId xmlns:a16="http://schemas.microsoft.com/office/drawing/2014/main" id="{024DBFD2-1F3B-49D1-CFF9-F3AF413BD0F9}"/>
-              </a:ext>
-            </a:extLst>
-          </p:cNvPr>
-          <p:cNvSpPr>
-            <a:spLocks noGrp="1"/>
-          </p:cNvSpPr>
-          <p:nvPr>
-            <p:ph idx="1"/>
-          </p:nvPr>
-        </p:nvSpPr>
-        <p:spPr>
-          <a:xfrm>
-            <a:off x="1069848" y="2111783"/>
-            <a:ext cx="10058400" cy="4050792"/>
-          </a:xfrm>
-        </p:spPr>
-        <p:txBody>
-          <a:bodyPr/>
-          <a:lstStyle/>
-          <a:p>
-            <a:pPr>
-              <a:lnSpc>
-                <a:spcPct val="150000"/>
-              </a:lnSpc>
-            </a:pPr>
-            <a:r>
-              <a:rPr lang="en-US" dirty="0"/>
-              <a:t>The first subtask for constructing a BOW vector is </a:t>
-            </a:r>
-            <a:r>
-              <a:rPr lang="en-US" b="1" dirty="0"/>
-              <a:t>tokenization</a:t>
-            </a:r>
-          </a:p>
-          <a:p>
-            <a:pPr lvl="1">
-              <a:lnSpc>
-                <a:spcPct val="150000"/>
-              </a:lnSpc>
-            </a:pPr>
-            <a:r>
-              <a:rPr lang="en-US" dirty="0"/>
-              <a:t>A sequence of characters → a sequence of </a:t>
-            </a:r>
-            <a:r>
-              <a:rPr lang="en-US" b="1" dirty="0"/>
-              <a:t>word tokens</a:t>
-            </a:r>
-          </a:p>
-          <a:p>
-            <a:pPr>
-              <a:lnSpc>
-                <a:spcPct val="150000"/>
-              </a:lnSpc>
-            </a:pPr>
-            <a:r>
-              <a:rPr lang="en-US" dirty="0"/>
-              <a:t>Note whitespace-based tokenization is not ideal</a:t>
-            </a:r>
-          </a:p>
-          <a:p>
-            <a:pPr>
-              <a:lnSpc>
-                <a:spcPct val="150000"/>
-              </a:lnSpc>
-            </a:pPr>
-            <a:r>
-              <a:rPr lang="en-US" dirty="0"/>
-              <a:t>Tokenization is typically performed using regular expressions, with modules designed to handle each cases</a:t>
-            </a:r>
-          </a:p>
-          <a:p>
-            <a:pPr lvl="1">
-              <a:lnSpc>
-                <a:spcPct val="150000"/>
-              </a:lnSpc>
-            </a:pPr>
-            <a:r>
-              <a:rPr lang="en-US" dirty="0"/>
-              <a:t>Go back to the code example</a:t>
-            </a:r>
-          </a:p>
-        </p:txBody>
-      </p:sp>
-    </p:spTree>
-    <p:extLst>
-      <p:ext uri="{BB962C8B-B14F-4D97-AF65-F5344CB8AC3E}">
-        <p14:creationId xmlns:p14="http://schemas.microsoft.com/office/powerpoint/2010/main" val="1161657830"/>
-      </p:ext>
-    </p:extLst>
-  </p:cSld>
-  <p:clrMapOvr>
-    <a:masterClrMapping/>
-  </p:clrMapOvr>
-</p:sld>
-</file>
-
 <file path=ppt/slides/slide7.xml><?xml version="1.0" encoding="utf-8"?>
 <p:sld xmlns:a="http://schemas.openxmlformats.org/drawingml/2006/main" xmlns:r="http://schemas.openxmlformats.org/officeDocument/2006/relationships" xmlns:p="http://schemas.openxmlformats.org/presentationml/2006/main">
   <p:cSld>
@@ -7787,7 +8356,7 @@
           <p:cNvPr id="2" name="Title 1">
             <a:extLst>
               <a:ext uri="{FF2B5EF4-FFF2-40B4-BE49-F238E27FC236}">
-                <a16:creationId xmlns:a16="http://schemas.microsoft.com/office/drawing/2014/main" id="{599A762D-A379-1B94-6C9D-4B60218018AF}"/>
+                <a16:creationId xmlns:a16="http://schemas.microsoft.com/office/drawing/2014/main" id="{B39213E6-163B-0373-07C9-874A38FF9936}"/>
               </a:ext>
             </a:extLst>
           </p:cNvPr>
@@ -7798,7 +8367,12 @@
             <p:ph type="title"/>
           </p:nvPr>
         </p:nvSpPr>
-        <p:spPr/>
+        <p:spPr>
+          <a:xfrm>
+            <a:off x="1069848" y="475007"/>
+            <a:ext cx="10058400" cy="1609344"/>
+          </a:xfrm>
+        </p:spPr>
         <p:txBody>
           <a:bodyPr>
             <a:normAutofit/>
@@ -7807,7 +8381,7 @@
           <a:p>
             <a:r>
               <a:rPr lang="en-US" dirty="0"/>
-              <a:t>Token Improvement</a:t>
+              <a:t>White-space approach?</a:t>
             </a:r>
           </a:p>
         </p:txBody>
@@ -7817,7 +8391,7 @@
           <p:cNvPr id="3" name="Content Placeholder 2">
             <a:extLst>
               <a:ext uri="{FF2B5EF4-FFF2-40B4-BE49-F238E27FC236}">
-                <a16:creationId xmlns:a16="http://schemas.microsoft.com/office/drawing/2014/main" id="{7EF5416F-5CCB-AD5E-93A1-D6304C3071B9}"/>
+                <a16:creationId xmlns:a16="http://schemas.microsoft.com/office/drawing/2014/main" id="{024DBFD2-1F3B-49D1-CFF9-F3AF413BD0F9}"/>
               </a:ext>
             </a:extLst>
           </p:cNvPr>
@@ -7828,70 +8402,76 @@
             <p:ph idx="1"/>
           </p:nvPr>
         </p:nvSpPr>
-        <p:spPr/>
-        <p:txBody>
-          <a:bodyPr>
-            <a:normAutofit/>
-          </a:bodyPr>
+        <p:spPr>
+          <a:xfrm>
+            <a:off x="1069848" y="2111783"/>
+            <a:ext cx="10058400" cy="4050792"/>
+          </a:xfrm>
+        </p:spPr>
+        <p:txBody>
+          <a:bodyPr/>
           <a:lstStyle/>
           <a:p>
             <a:pPr>
               <a:lnSpc>
-                <a:spcPct val="150000"/>
+                <a:spcPct val="200000"/>
               </a:lnSpc>
             </a:pPr>
             <a:r>
               <a:rPr lang="en-US" dirty="0"/>
-              <a:t>See the text for the regular expressions</a:t>
+              <a:t>The first subtask for constructing a BOW vector is </a:t>
+            </a:r>
+            <a:r>
+              <a:rPr lang="en-US" b="1" dirty="0"/>
+              <a:t>tokenization</a:t>
+            </a:r>
+          </a:p>
+          <a:p>
+            <a:pPr lvl="1">
+              <a:lnSpc>
+                <a:spcPct val="200000"/>
+              </a:lnSpc>
+            </a:pPr>
+            <a:r>
+              <a:rPr lang="en-US" dirty="0"/>
+              <a:t>A sequence of characters → a sequence of </a:t>
+            </a:r>
+            <a:r>
+              <a:rPr lang="en-US" b="1" dirty="0"/>
+              <a:t>word tokens</a:t>
             </a:r>
           </a:p>
           <a:p>
             <a:pPr>
               <a:lnSpc>
-                <a:spcPct val="150000"/>
+                <a:spcPct val="200000"/>
               </a:lnSpc>
             </a:pPr>
             <a:r>
               <a:rPr lang="en-US" dirty="0"/>
-              <a:t>See a number of tokenizers in the code examples</a:t>
+              <a:t>Note whitespace-based tokenization is not ideal</a:t>
             </a:r>
           </a:p>
           <a:p>
             <a:pPr>
               <a:lnSpc>
-                <a:spcPct val="150000"/>
+                <a:spcPct val="200000"/>
               </a:lnSpc>
             </a:pPr>
             <a:r>
               <a:rPr lang="en-US" dirty="0"/>
-              <a:t>Social media researchers have found that emoticons and other forms of orthographic variation pose new challenges for tokenization, leading to the development of special purpose tokenizers to handle them</a:t>
+              <a:t>Tokenization is typically performed using regular expressions, with modules designed to handle each cases</a:t>
             </a:r>
           </a:p>
           <a:p>
             <a:pPr lvl="1">
               <a:lnSpc>
-                <a:spcPct val="150000"/>
+                <a:spcPct val="200000"/>
               </a:lnSpc>
             </a:pPr>
             <a:r>
               <a:rPr lang="en-US" dirty="0"/>
-              <a:t>O’Connor, B., M. Krieger, and D. </a:t>
-            </a:r>
-            <a:r>
-              <a:rPr lang="en-US" dirty="0" err="1"/>
-              <a:t>Ahn</a:t>
-            </a:r>
-            <a:r>
-              <a:rPr lang="en-US" dirty="0"/>
-              <a:t> (2010). </a:t>
-            </a:r>
-            <a:r>
-              <a:rPr lang="en-US" dirty="0" err="1"/>
-              <a:t>Tweetmotif</a:t>
-            </a:r>
-            <a:r>
-              <a:rPr lang="en-US" dirty="0"/>
-              <a:t>: Exploratory search and topic summarization for twitter. In Proceedings of the International Conference on Web and Social Media (ICWSM), pp. 384–385.</a:t>
+              <a:t>Go back to the code example</a:t>
             </a:r>
           </a:p>
         </p:txBody>
@@ -7899,7 +8479,7 @@
     </p:spTree>
     <p:extLst>
       <p:ext uri="{BB962C8B-B14F-4D97-AF65-F5344CB8AC3E}">
-        <p14:creationId xmlns:p14="http://schemas.microsoft.com/office/powerpoint/2010/main" val="1226295685"/>
+        <p14:creationId xmlns:p14="http://schemas.microsoft.com/office/powerpoint/2010/main" val="1161657830"/>
       </p:ext>
     </p:extLst>
   </p:cSld>
@@ -7931,7 +8511,7 @@
           <p:cNvPr id="2" name="Title 1">
             <a:extLst>
               <a:ext uri="{FF2B5EF4-FFF2-40B4-BE49-F238E27FC236}">
-                <a16:creationId xmlns:a16="http://schemas.microsoft.com/office/drawing/2014/main" id="{B6D08299-5F48-F245-FAEB-07E2F6D77533}"/>
+                <a16:creationId xmlns:a16="http://schemas.microsoft.com/office/drawing/2014/main" id="{599A762D-A379-1B94-6C9D-4B60218018AF}"/>
               </a:ext>
             </a:extLst>
           </p:cNvPr>
@@ -7951,7 +8531,7 @@
           <a:p>
             <a:r>
               <a:rPr lang="en-US" dirty="0"/>
-              <a:t>Tokenization is hard?</a:t>
+              <a:t>Token Improvement</a:t>
             </a:r>
           </a:p>
         </p:txBody>
@@ -7961,7 +8541,7 @@
           <p:cNvPr id="3" name="Content Placeholder 2">
             <a:extLst>
               <a:ext uri="{FF2B5EF4-FFF2-40B4-BE49-F238E27FC236}">
-                <a16:creationId xmlns:a16="http://schemas.microsoft.com/office/drawing/2014/main" id="{D899AD51-227C-D095-C249-05A9BB1393AB}"/>
+                <a16:creationId xmlns:a16="http://schemas.microsoft.com/office/drawing/2014/main" id="{7EF5416F-5CCB-AD5E-93A1-D6304C3071B9}"/>
               </a:ext>
             </a:extLst>
           </p:cNvPr>
@@ -7986,7 +8566,29 @@
             </a:pPr>
             <a:r>
               <a:rPr lang="en-US" dirty="0"/>
-              <a:t>Tokenization is a language-specific problem</a:t>
+              <a:t>See the text for the regular expressions</a:t>
+            </a:r>
+          </a:p>
+          <a:p>
+            <a:pPr>
+              <a:lnSpc>
+                <a:spcPct val="150000"/>
+              </a:lnSpc>
+            </a:pPr>
+            <a:r>
+              <a:rPr lang="en-US" dirty="0"/>
+              <a:t>See a number of tokenizers in the code examples</a:t>
+            </a:r>
+          </a:p>
+          <a:p>
+            <a:pPr>
+              <a:lnSpc>
+                <a:spcPct val="150000"/>
+              </a:lnSpc>
+            </a:pPr>
+            <a:r>
+              <a:rPr lang="en-US" dirty="0"/>
+              <a:t>Social media researchers have found that emoticons and other forms of orthographic variation pose new challenges for tokenization, leading to the development of special purpose tokenizers to handle them</a:t>
             </a:r>
           </a:p>
           <a:p>
@@ -7997,67 +8599,23 @@
             </a:pPr>
             <a:r>
               <a:rPr lang="en-US" dirty="0"/>
-              <a:t>Each language poses unique challenges</a:t>
-            </a:r>
-          </a:p>
-          <a:p>
-            <a:pPr lvl="2">
-              <a:lnSpc>
-                <a:spcPct val="150000"/>
-              </a:lnSpc>
-            </a:pPr>
-            <a:r>
-              <a:rPr lang="en-US" dirty="0"/>
-              <a:t>Chinese does not include spaces between words, nor any other consistent orthographic markers of word boundaries</a:t>
-            </a:r>
-          </a:p>
-          <a:p>
-            <a:pPr lvl="2">
-              <a:lnSpc>
-                <a:spcPct val="150000"/>
-              </a:lnSpc>
-            </a:pPr>
-            <a:r>
-              <a:rPr lang="en-US" dirty="0"/>
-              <a:t>German does not include whitespace in compound nouns</a:t>
-            </a:r>
-          </a:p>
-          <a:p>
-            <a:pPr>
-              <a:lnSpc>
-                <a:spcPct val="150000"/>
-              </a:lnSpc>
-            </a:pPr>
-            <a:r>
-              <a:rPr lang="en-US" dirty="0"/>
-              <a:t>Social media raises similar problems for English and other languages</a:t>
-            </a:r>
-          </a:p>
-          <a:p>
-            <a:pPr lvl="1">
-              <a:lnSpc>
-                <a:spcPct val="150000"/>
-              </a:lnSpc>
-            </a:pPr>
-            <a:r>
-              <a:rPr lang="en-US" dirty="0"/>
-              <a:t>#</a:t>
+              <a:t>O’Connor, B., M. Krieger, and D. </a:t>
             </a:r>
             <a:r>
               <a:rPr lang="en-US" dirty="0" err="1"/>
-              <a:t>TrueLoveInFourWords</a:t>
-            </a:r>
-            <a:endParaRPr lang="en-US" dirty="0"/>
-          </a:p>
-          <a:p>
-            <a:pPr lvl="1">
-              <a:lnSpc>
-                <a:spcPct val="150000"/>
-              </a:lnSpc>
-            </a:pPr>
-            <a:r>
-              <a:rPr lang="en-US" dirty="0"/>
-              <a:t>Decomposition analysis (Brun and Roux, 2014)</a:t>
+              <a:t>Ahn</a:t>
+            </a:r>
+            <a:r>
+              <a:rPr lang="en-US" dirty="0"/>
+              <a:t> (2010). </a:t>
+            </a:r>
+            <a:r>
+              <a:rPr lang="en-US" dirty="0" err="1"/>
+              <a:t>Tweetmotif</a:t>
+            </a:r>
+            <a:r>
+              <a:rPr lang="en-US" dirty="0"/>
+              <a:t>: Exploratory search and topic summarization for twitter. In Proceedings of the International Conference on Web and Social Media (ICWSM), pp. 384–385.</a:t>
             </a:r>
           </a:p>
         </p:txBody>
@@ -8065,7 +8623,7 @@
     </p:spTree>
     <p:extLst>
       <p:ext uri="{BB962C8B-B14F-4D97-AF65-F5344CB8AC3E}">
-        <p14:creationId xmlns:p14="http://schemas.microsoft.com/office/powerpoint/2010/main" val="774278342"/>
+        <p14:creationId xmlns:p14="http://schemas.microsoft.com/office/powerpoint/2010/main" val="1226295685"/>
       </p:ext>
     </p:extLst>
   </p:cSld>
@@ -8097,7 +8655,7 @@
           <p:cNvPr id="2" name="Title 1">
             <a:extLst>
               <a:ext uri="{FF2B5EF4-FFF2-40B4-BE49-F238E27FC236}">
-                <a16:creationId xmlns:a16="http://schemas.microsoft.com/office/drawing/2014/main" id="{655F313B-2BC5-DEBD-6FD9-9AD2C55EC29C}"/>
+                <a16:creationId xmlns:a16="http://schemas.microsoft.com/office/drawing/2014/main" id="{B6D08299-5F48-F245-FAEB-07E2F6D77533}"/>
               </a:ext>
             </a:extLst>
           </p:cNvPr>
@@ -8116,8 +8674,8 @@
           <a:lstStyle/>
           <a:p>
             <a:r>
-              <a:rPr lang="en-US" sz="4800" dirty="0"/>
-              <a:t>Extending your vocabulary with n-grams</a:t>
+              <a:rPr lang="en-US" dirty="0"/>
+              <a:t>Tokenization is hard?</a:t>
             </a:r>
           </a:p>
         </p:txBody>
@@ -8127,7 +8685,7 @@
           <p:cNvPr id="3" name="Content Placeholder 2">
             <a:extLst>
               <a:ext uri="{FF2B5EF4-FFF2-40B4-BE49-F238E27FC236}">
-                <a16:creationId xmlns:a16="http://schemas.microsoft.com/office/drawing/2014/main" id="{910A253A-ADCB-6AD9-6DFC-7ADC2E2F7206}"/>
+                <a16:creationId xmlns:a16="http://schemas.microsoft.com/office/drawing/2014/main" id="{D899AD51-227C-D095-C249-05A9BB1393AB}"/>
               </a:ext>
             </a:extLst>
           </p:cNvPr>
@@ -8141,106 +8699,89 @@
         <p:spPr/>
         <p:txBody>
           <a:bodyPr>
-            <a:normAutofit fontScale="85000" lnSpcReduction="20000"/>
+            <a:normAutofit/>
           </a:bodyPr>
           <a:lstStyle/>
           <a:p>
             <a:pPr>
               <a:lnSpc>
-                <a:spcPct val="160000"/>
+                <a:spcPct val="150000"/>
               </a:lnSpc>
             </a:pPr>
             <a:r>
               <a:rPr lang="en-US" dirty="0"/>
-              <a:t>Now we consider a sequence of words</a:t>
+              <a:t>Tokenization is a language-specific problem</a:t>
             </a:r>
           </a:p>
           <a:p>
             <a:pPr lvl="1">
               <a:lnSpc>
-                <a:spcPct val="160000"/>
+                <a:spcPct val="150000"/>
               </a:lnSpc>
             </a:pPr>
             <a:r>
               <a:rPr lang="en-US" dirty="0"/>
-              <a:t>Ice cream</a:t>
+              <a:t>Each language poses unique challenges</a:t>
+            </a:r>
+          </a:p>
+          <a:p>
+            <a:pPr lvl="2">
+              <a:lnSpc>
+                <a:spcPct val="150000"/>
+              </a:lnSpc>
+            </a:pPr>
+            <a:r>
+              <a:rPr lang="en-US" dirty="0"/>
+              <a:t>Chinese does not include spaces between words, nor any other consistent orthographic markers of word boundaries</a:t>
+            </a:r>
+          </a:p>
+          <a:p>
+            <a:pPr lvl="2">
+              <a:lnSpc>
+                <a:spcPct val="150000"/>
+              </a:lnSpc>
+            </a:pPr>
+            <a:r>
+              <a:rPr lang="en-US" dirty="0"/>
+              <a:t>German does not include whitespace in compound nouns</a:t>
+            </a:r>
+          </a:p>
+          <a:p>
+            <a:pPr>
+              <a:lnSpc>
+                <a:spcPct val="150000"/>
+              </a:lnSpc>
+            </a:pPr>
+            <a:r>
+              <a:rPr lang="en-US" dirty="0"/>
+              <a:t>Social media raises similar problems for English and other languages</a:t>
             </a:r>
           </a:p>
           <a:p>
             <a:pPr lvl="1">
               <a:lnSpc>
-                <a:spcPct val="160000"/>
+                <a:spcPct val="150000"/>
               </a:lnSpc>
             </a:pPr>
             <a:r>
               <a:rPr lang="en-US" dirty="0"/>
-              <a:t>Boston Red Sox</a:t>
-            </a:r>
-          </a:p>
-          <a:p>
-            <a:pPr>
+              <a:t>#</a:t>
+            </a:r>
+            <a:r>
+              <a:rPr lang="en-US" dirty="0" err="1"/>
+              <a:t>TrueLoveInFourWords</a:t>
+            </a:r>
+            <a:endParaRPr lang="en-US" dirty="0"/>
+          </a:p>
+          <a:p>
+            <a:pPr lvl="1">
               <a:lnSpc>
-                <a:spcPct val="160000"/>
+                <a:spcPct val="150000"/>
               </a:lnSpc>
             </a:pPr>
             <a:r>
               <a:rPr lang="en-US" dirty="0"/>
-              <a:t>N-gram is simply a sequence of n words</a:t>
-            </a:r>
-          </a:p>
-          <a:p>
-            <a:pPr lvl="1">
-              <a:lnSpc>
-                <a:spcPct val="160000"/>
-              </a:lnSpc>
-            </a:pPr>
-            <a:r>
-              <a:rPr lang="en-US" dirty="0"/>
-              <a:t>N-gram could denote characters, but focus on words now</a:t>
-            </a:r>
-          </a:p>
-          <a:p>
-            <a:pPr>
-              <a:lnSpc>
-                <a:spcPct val="160000"/>
-              </a:lnSpc>
-            </a:pPr>
-            <a:r>
-              <a:rPr lang="en-US" dirty="0"/>
-              <a:t>We have tokenized sentences using 1-gram only thus far</a:t>
-            </a:r>
-          </a:p>
-          <a:p>
-            <a:pPr>
-              <a:lnSpc>
-                <a:spcPct val="160000"/>
-              </a:lnSpc>
-            </a:pPr>
-            <a:r>
-              <a:rPr lang="en-US" dirty="0"/>
-              <a:t>Using 2-gram or 3-gram words means adding more tokens in the vocabulary</a:t>
-            </a:r>
-          </a:p>
-          <a:p>
-            <a:pPr lvl="1">
-              <a:lnSpc>
-                <a:spcPct val="160000"/>
-              </a:lnSpc>
-            </a:pPr>
-            <a:r>
-              <a:rPr lang="en-US" dirty="0"/>
-              <a:t>Not difficult to add (see the codes)</a:t>
-            </a:r>
-          </a:p>
-          <a:p>
-            <a:pPr lvl="1">
-              <a:lnSpc>
-                <a:spcPct val="160000"/>
-              </a:lnSpc>
-            </a:pPr>
-            <a:r>
-              <a:rPr lang="en-US" dirty="0"/>
-              <a:t>N-gram tokens are pretty rare → need some ways to handle them properly</a:t>
+              <a:t>Decomposition analysis (Brun and Roux, 2014)</a:t>
             </a:r>
           </a:p>
         </p:txBody>
@@ -8248,7 +8789,7 @@
     </p:spTree>
     <p:extLst>
       <p:ext uri="{BB962C8B-B14F-4D97-AF65-F5344CB8AC3E}">
-        <p14:creationId xmlns:p14="http://schemas.microsoft.com/office/powerpoint/2010/main" val="4181030411"/>
+        <p14:creationId xmlns:p14="http://schemas.microsoft.com/office/powerpoint/2010/main" val="774278342"/>
       </p:ext>
     </p:extLst>
   </p:cSld>
